--- a/documents/hi5 .pptx
+++ b/documents/hi5 .pptx
@@ -2,7 +2,7 @@
 <file path=ppt/presentation.xml><?xml version="1.0" encoding="utf-8"?>
 <p:presentation xmlns:a="http://schemas.openxmlformats.org/drawingml/2006/main" xmlns:r="http://schemas.openxmlformats.org/officeDocument/2006/relationships" xmlns:p="http://schemas.openxmlformats.org/presentationml/2006/main" saveSubsetFonts="1">
   <p:sldMasterIdLst>
-    <p:sldMasterId id="2147483678" r:id="rId1"/>
+    <p:sldMasterId id="2147483894" r:id="rId1"/>
   </p:sldMasterIdLst>
   <p:sldIdLst>
     <p:sldId id="256" r:id="rId2"/>
@@ -28,9 +28,17 @@
     <p:sldId id="287" r:id="rId22"/>
     <p:sldId id="275" r:id="rId23"/>
     <p:sldId id="288" r:id="rId24"/>
-    <p:sldId id="278" r:id="rId25"/>
-    <p:sldId id="277" r:id="rId26"/>
-    <p:sldId id="280" r:id="rId27"/>
+    <p:sldId id="294" r:id="rId25"/>
+    <p:sldId id="293" r:id="rId26"/>
+    <p:sldId id="278" r:id="rId27"/>
+    <p:sldId id="277" r:id="rId28"/>
+    <p:sldId id="296" r:id="rId29"/>
+    <p:sldId id="295" r:id="rId30"/>
+    <p:sldId id="290" r:id="rId31"/>
+    <p:sldId id="289" r:id="rId32"/>
+    <p:sldId id="291" r:id="rId33"/>
+    <p:sldId id="292" r:id="rId34"/>
+    <p:sldId id="280" r:id="rId35"/>
   </p:sldIdLst>
   <p:sldSz cx="12192000" cy="6858000"/>
   <p:notesSz cx="6858000" cy="9144000"/>
@@ -319,7 +327,7 @@
           <a:p>
             <a:fld id="{563CF30B-D3B5-43E7-A704-6F2A718C3E66}" type="datetimeFigureOut">
               <a:rPr lang="en-IN" smtClean="0"/>
-              <a:t>16-02-2021</a:t>
+              <a:t>01-03-2021</a:t>
             </a:fld>
             <a:endParaRPr lang="en-IN"/>
           </a:p>
@@ -370,7 +378,7 @@
     </p:spTree>
     <p:extLst>
       <p:ext uri="{BB962C8B-B14F-4D97-AF65-F5344CB8AC3E}">
-        <p14:creationId xmlns:p14="http://schemas.microsoft.com/office/powerpoint/2010/main" val="2422073471"/>
+        <p14:creationId xmlns:p14="http://schemas.microsoft.com/office/powerpoint/2010/main" val="3969002633"/>
       </p:ext>
     </p:extLst>
   </p:cSld>
@@ -482,10 +490,7 @@
           <a:noFill/>
           <a:ln w="82550" cap="sq">
             <a:solidFill>
-              <a:schemeClr val="bg2">
-                <a:lumMod val="60000"/>
-                <a:lumOff val="40000"/>
-              </a:schemeClr>
+              <a:srgbClr val="EAEAEA"/>
             </a:solidFill>
             <a:miter lim="800000"/>
           </a:ln>
@@ -634,7 +639,7 @@
           <a:p>
             <a:fld id="{563CF30B-D3B5-43E7-A704-6F2A718C3E66}" type="datetimeFigureOut">
               <a:rPr lang="en-IN" smtClean="0"/>
-              <a:t>16-02-2021</a:t>
+              <a:t>01-03-2021</a:t>
             </a:fld>
             <a:endParaRPr lang="en-IN"/>
           </a:p>
@@ -685,7 +690,7 @@
     </p:spTree>
     <p:extLst>
       <p:ext uri="{BB962C8B-B14F-4D97-AF65-F5344CB8AC3E}">
-        <p14:creationId xmlns:p14="http://schemas.microsoft.com/office/powerpoint/2010/main" val="2820612273"/>
+        <p14:creationId xmlns:p14="http://schemas.microsoft.com/office/powerpoint/2010/main" val="2528418793"/>
       </p:ext>
     </p:extLst>
   </p:cSld>
@@ -856,7 +861,7 @@
           <a:p>
             <a:fld id="{563CF30B-D3B5-43E7-A704-6F2A718C3E66}" type="datetimeFigureOut">
               <a:rPr lang="en-IN" smtClean="0"/>
-              <a:t>16-02-2021</a:t>
+              <a:t>01-03-2021</a:t>
             </a:fld>
             <a:endParaRPr lang="en-IN"/>
           </a:p>
@@ -907,7 +912,7 @@
     </p:spTree>
     <p:extLst>
       <p:ext uri="{BB962C8B-B14F-4D97-AF65-F5344CB8AC3E}">
-        <p14:creationId xmlns:p14="http://schemas.microsoft.com/office/powerpoint/2010/main" val="48232816"/>
+        <p14:creationId xmlns:p14="http://schemas.microsoft.com/office/powerpoint/2010/main" val="3224366298"/>
       </p:ext>
     </p:extLst>
   </p:cSld>
@@ -1147,7 +1152,7 @@
           <a:p>
             <a:fld id="{563CF30B-D3B5-43E7-A704-6F2A718C3E66}" type="datetimeFigureOut">
               <a:rPr lang="en-IN" smtClean="0"/>
-              <a:t>16-02-2021</a:t>
+              <a:t>01-03-2021</a:t>
             </a:fld>
             <a:endParaRPr lang="en-IN"/>
           </a:p>
@@ -1430,7 +1435,7 @@
     </p:spTree>
     <p:extLst>
       <p:ext uri="{BB962C8B-B14F-4D97-AF65-F5344CB8AC3E}">
-        <p14:creationId xmlns:p14="http://schemas.microsoft.com/office/powerpoint/2010/main" val="2392652130"/>
+        <p14:creationId xmlns:p14="http://schemas.microsoft.com/office/powerpoint/2010/main" val="3775171081"/>
       </p:ext>
     </p:extLst>
   </p:cSld>
@@ -1601,7 +1606,7 @@
           <a:p>
             <a:fld id="{563CF30B-D3B5-43E7-A704-6F2A718C3E66}" type="datetimeFigureOut">
               <a:rPr lang="en-IN" smtClean="0"/>
-              <a:t>16-02-2021</a:t>
+              <a:t>01-03-2021</a:t>
             </a:fld>
             <a:endParaRPr lang="en-IN"/>
           </a:p>
@@ -1652,7 +1657,7 @@
     </p:spTree>
     <p:extLst>
       <p:ext uri="{BB962C8B-B14F-4D97-AF65-F5344CB8AC3E}">
-        <p14:creationId xmlns:p14="http://schemas.microsoft.com/office/powerpoint/2010/main" val="3407752773"/>
+        <p14:creationId xmlns:p14="http://schemas.microsoft.com/office/powerpoint/2010/main" val="95020056"/>
       </p:ext>
     </p:extLst>
   </p:cSld>
@@ -2177,7 +2182,7 @@
           <a:p>
             <a:fld id="{563CF30B-D3B5-43E7-A704-6F2A718C3E66}" type="datetimeFigureOut">
               <a:rPr lang="en-IN" smtClean="0"/>
-              <a:t>16-02-2021</a:t>
+              <a:t>01-03-2021</a:t>
             </a:fld>
             <a:endParaRPr lang="en-IN"/>
           </a:p>
@@ -2228,7 +2233,7 @@
     </p:spTree>
     <p:extLst>
       <p:ext uri="{BB962C8B-B14F-4D97-AF65-F5344CB8AC3E}">
-        <p14:creationId xmlns:p14="http://schemas.microsoft.com/office/powerpoint/2010/main" val="1382953617"/>
+        <p14:creationId xmlns:p14="http://schemas.microsoft.com/office/powerpoint/2010/main" val="1918250394"/>
       </p:ext>
     </p:extLst>
   </p:cSld>
@@ -2410,10 +2415,7 @@
           <a:noFill/>
           <a:ln w="82550" cap="sq">
             <a:solidFill>
-              <a:schemeClr val="bg2">
-                <a:lumMod val="60000"/>
-                <a:lumOff val="40000"/>
-              </a:schemeClr>
+              <a:srgbClr val="EAEAEA"/>
             </a:solidFill>
             <a:miter lim="800000"/>
           </a:ln>
@@ -2646,10 +2648,7 @@
           <a:noFill/>
           <a:ln w="82550" cap="sq">
             <a:solidFill>
-              <a:schemeClr val="bg2">
-                <a:lumMod val="60000"/>
-                <a:lumOff val="40000"/>
-              </a:schemeClr>
+              <a:srgbClr val="EAEAEA"/>
             </a:solidFill>
             <a:miter lim="800000"/>
           </a:ln>
@@ -2882,10 +2881,7 @@
           <a:noFill/>
           <a:ln w="82550" cap="sq">
             <a:solidFill>
-              <a:schemeClr val="bg2">
-                <a:lumMod val="60000"/>
-                <a:lumOff val="40000"/>
-              </a:schemeClr>
+              <a:srgbClr val="EAEAEA"/>
             </a:solidFill>
             <a:miter lim="800000"/>
           </a:ln>
@@ -3038,7 +3034,7 @@
           <a:p>
             <a:fld id="{563CF30B-D3B5-43E7-A704-6F2A718C3E66}" type="datetimeFigureOut">
               <a:rPr lang="en-IN" smtClean="0"/>
-              <a:t>16-02-2021</a:t>
+              <a:t>01-03-2021</a:t>
             </a:fld>
             <a:endParaRPr lang="en-IN"/>
           </a:p>
@@ -3089,7 +3085,7 @@
     </p:spTree>
     <p:extLst>
       <p:ext uri="{BB962C8B-B14F-4D97-AF65-F5344CB8AC3E}">
-        <p14:creationId xmlns:p14="http://schemas.microsoft.com/office/powerpoint/2010/main" val="2202922697"/>
+        <p14:creationId xmlns:p14="http://schemas.microsoft.com/office/powerpoint/2010/main" val="1304408564"/>
       </p:ext>
     </p:extLst>
   </p:cSld>
@@ -3243,7 +3239,7 @@
           <a:p>
             <a:fld id="{563CF30B-D3B5-43E7-A704-6F2A718C3E66}" type="datetimeFigureOut">
               <a:rPr lang="en-IN" smtClean="0"/>
-              <a:t>16-02-2021</a:t>
+              <a:t>01-03-2021</a:t>
             </a:fld>
             <a:endParaRPr lang="en-IN"/>
           </a:p>
@@ -3294,7 +3290,7 @@
     </p:spTree>
     <p:extLst>
       <p:ext uri="{BB962C8B-B14F-4D97-AF65-F5344CB8AC3E}">
-        <p14:creationId xmlns:p14="http://schemas.microsoft.com/office/powerpoint/2010/main" val="2469404281"/>
+        <p14:creationId xmlns:p14="http://schemas.microsoft.com/office/powerpoint/2010/main" val="1540863472"/>
       </p:ext>
     </p:extLst>
   </p:cSld>
@@ -3457,7 +3453,7 @@
           <a:p>
             <a:fld id="{563CF30B-D3B5-43E7-A704-6F2A718C3E66}" type="datetimeFigureOut">
               <a:rPr lang="en-IN" smtClean="0"/>
-              <a:t>16-02-2021</a:t>
+              <a:t>01-03-2021</a:t>
             </a:fld>
             <a:endParaRPr lang="en-IN"/>
           </a:p>
@@ -3508,7 +3504,7 @@
     </p:spTree>
     <p:extLst>
       <p:ext uri="{BB962C8B-B14F-4D97-AF65-F5344CB8AC3E}">
-        <p14:creationId xmlns:p14="http://schemas.microsoft.com/office/powerpoint/2010/main" val="3566970307"/>
+        <p14:creationId xmlns:p14="http://schemas.microsoft.com/office/powerpoint/2010/main" val="2883884690"/>
       </p:ext>
     </p:extLst>
   </p:cSld>
@@ -3662,7 +3658,7 @@
           <a:p>
             <a:fld id="{563CF30B-D3B5-43E7-A704-6F2A718C3E66}" type="datetimeFigureOut">
               <a:rPr lang="en-IN" smtClean="0"/>
-              <a:t>16-02-2021</a:t>
+              <a:t>01-03-2021</a:t>
             </a:fld>
             <a:endParaRPr lang="en-IN"/>
           </a:p>
@@ -3713,7 +3709,7 @@
     </p:spTree>
     <p:extLst>
       <p:ext uri="{BB962C8B-B14F-4D97-AF65-F5344CB8AC3E}">
-        <p14:creationId xmlns:p14="http://schemas.microsoft.com/office/powerpoint/2010/main" val="326622625"/>
+        <p14:creationId xmlns:p14="http://schemas.microsoft.com/office/powerpoint/2010/main" val="3041947502"/>
       </p:ext>
     </p:extLst>
   </p:cSld>
@@ -3942,7 +3938,7 @@
           <a:p>
             <a:fld id="{563CF30B-D3B5-43E7-A704-6F2A718C3E66}" type="datetimeFigureOut">
               <a:rPr lang="en-IN" smtClean="0"/>
-              <a:t>16-02-2021</a:t>
+              <a:t>01-03-2021</a:t>
             </a:fld>
             <a:endParaRPr lang="en-IN"/>
           </a:p>
@@ -3993,7 +3989,7 @@
     </p:spTree>
     <p:extLst>
       <p:ext uri="{BB962C8B-B14F-4D97-AF65-F5344CB8AC3E}">
-        <p14:creationId xmlns:p14="http://schemas.microsoft.com/office/powerpoint/2010/main" val="545619688"/>
+        <p14:creationId xmlns:p14="http://schemas.microsoft.com/office/powerpoint/2010/main" val="2449098313"/>
       </p:ext>
     </p:extLst>
   </p:cSld>
@@ -4209,7 +4205,7 @@
           <a:p>
             <a:fld id="{563CF30B-D3B5-43E7-A704-6F2A718C3E66}" type="datetimeFigureOut">
               <a:rPr lang="en-IN" smtClean="0"/>
-              <a:t>16-02-2021</a:t>
+              <a:t>01-03-2021</a:t>
             </a:fld>
             <a:endParaRPr lang="en-IN"/>
           </a:p>
@@ -4260,7 +4256,7 @@
     </p:spTree>
     <p:extLst>
       <p:ext uri="{BB962C8B-B14F-4D97-AF65-F5344CB8AC3E}">
-        <p14:creationId xmlns:p14="http://schemas.microsoft.com/office/powerpoint/2010/main" val="3344785678"/>
+        <p14:creationId xmlns:p14="http://schemas.microsoft.com/office/powerpoint/2010/main" val="3753835838"/>
       </p:ext>
     </p:extLst>
   </p:cSld>
@@ -4624,7 +4620,7 @@
           <a:p>
             <a:fld id="{563CF30B-D3B5-43E7-A704-6F2A718C3E66}" type="datetimeFigureOut">
               <a:rPr lang="en-IN" smtClean="0"/>
-              <a:t>16-02-2021</a:t>
+              <a:t>01-03-2021</a:t>
             </a:fld>
             <a:endParaRPr lang="en-IN"/>
           </a:p>
@@ -4675,7 +4671,7 @@
     </p:spTree>
     <p:extLst>
       <p:ext uri="{BB962C8B-B14F-4D97-AF65-F5344CB8AC3E}">
-        <p14:creationId xmlns:p14="http://schemas.microsoft.com/office/powerpoint/2010/main" val="2691898780"/>
+        <p14:creationId xmlns:p14="http://schemas.microsoft.com/office/powerpoint/2010/main" val="3700448855"/>
       </p:ext>
     </p:extLst>
   </p:cSld>
@@ -4772,7 +4768,7 @@
           <a:p>
             <a:fld id="{563CF30B-D3B5-43E7-A704-6F2A718C3E66}" type="datetimeFigureOut">
               <a:rPr lang="en-IN" smtClean="0"/>
-              <a:t>16-02-2021</a:t>
+              <a:t>01-03-2021</a:t>
             </a:fld>
             <a:endParaRPr lang="en-IN"/>
           </a:p>
@@ -4823,7 +4819,7 @@
     </p:spTree>
     <p:extLst>
       <p:ext uri="{BB962C8B-B14F-4D97-AF65-F5344CB8AC3E}">
-        <p14:creationId xmlns:p14="http://schemas.microsoft.com/office/powerpoint/2010/main" val="3669132247"/>
+        <p14:creationId xmlns:p14="http://schemas.microsoft.com/office/powerpoint/2010/main" val="602904014"/>
       </p:ext>
     </p:extLst>
   </p:cSld>
@@ -4897,7 +4893,7 @@
           <a:p>
             <a:fld id="{563CF30B-D3B5-43E7-A704-6F2A718C3E66}" type="datetimeFigureOut">
               <a:rPr lang="en-IN" smtClean="0"/>
-              <a:t>16-02-2021</a:t>
+              <a:t>01-03-2021</a:t>
             </a:fld>
             <a:endParaRPr lang="en-IN"/>
           </a:p>
@@ -4948,7 +4944,7 @@
     </p:spTree>
     <p:extLst>
       <p:ext uri="{BB962C8B-B14F-4D97-AF65-F5344CB8AC3E}">
-        <p14:creationId xmlns:p14="http://schemas.microsoft.com/office/powerpoint/2010/main" val="3274113958"/>
+        <p14:creationId xmlns:p14="http://schemas.microsoft.com/office/powerpoint/2010/main" val="3221959768"/>
       </p:ext>
     </p:extLst>
   </p:cSld>
@@ -5176,7 +5172,7 @@
           <a:p>
             <a:fld id="{563CF30B-D3B5-43E7-A704-6F2A718C3E66}" type="datetimeFigureOut">
               <a:rPr lang="en-IN" smtClean="0"/>
-              <a:t>16-02-2021</a:t>
+              <a:t>01-03-2021</a:t>
             </a:fld>
             <a:endParaRPr lang="en-IN"/>
           </a:p>
@@ -5227,7 +5223,7 @@
     </p:spTree>
     <p:extLst>
       <p:ext uri="{BB962C8B-B14F-4D97-AF65-F5344CB8AC3E}">
-        <p14:creationId xmlns:p14="http://schemas.microsoft.com/office/powerpoint/2010/main" val="2866923721"/>
+        <p14:creationId xmlns:p14="http://schemas.microsoft.com/office/powerpoint/2010/main" val="3543493404"/>
       </p:ext>
     </p:extLst>
   </p:cSld>
@@ -5339,10 +5335,7 @@
           <a:noFill/>
           <a:ln w="82550" cap="sq">
             <a:solidFill>
-              <a:schemeClr val="bg2">
-                <a:lumMod val="60000"/>
-                <a:lumOff val="40000"/>
-              </a:schemeClr>
+              <a:srgbClr val="EAEAEA"/>
             </a:solidFill>
             <a:miter lim="800000"/>
           </a:ln>
@@ -5491,7 +5484,7 @@
           <a:p>
             <a:fld id="{563CF30B-D3B5-43E7-A704-6F2A718C3E66}" type="datetimeFigureOut">
               <a:rPr lang="en-IN" smtClean="0"/>
-              <a:t>16-02-2021</a:t>
+              <a:t>01-03-2021</a:t>
             </a:fld>
             <a:endParaRPr lang="en-IN"/>
           </a:p>
@@ -5542,7 +5535,7 @@
     </p:spTree>
     <p:extLst>
       <p:ext uri="{BB962C8B-B14F-4D97-AF65-F5344CB8AC3E}">
-        <p14:creationId xmlns:p14="http://schemas.microsoft.com/office/powerpoint/2010/main" val="1819741085"/>
+        <p14:creationId xmlns:p14="http://schemas.microsoft.com/office/powerpoint/2010/main" val="3755671533"/>
       </p:ext>
     </p:extLst>
   </p:cSld>
@@ -5556,8 +5549,8 @@
 <p:sldMaster xmlns:a="http://schemas.openxmlformats.org/drawingml/2006/main" xmlns:r="http://schemas.openxmlformats.org/officeDocument/2006/relationships" xmlns:p="http://schemas.openxmlformats.org/presentationml/2006/main">
   <p:cSld>
     <p:bg>
-      <p:bgRef idx="1003">
-        <a:schemeClr val="bg2"/>
+      <p:bgRef idx="1002">
+        <a:schemeClr val="bg1"/>
       </p:bgRef>
     </p:bg>
     <p:spTree>
@@ -5584,7 +5577,7 @@
         </p:nvPicPr>
         <p:blipFill>
           <a:blip r:embed="rId19">
-            <a:alphaModFix amt="70000"/>
+            <a:alphaModFix/>
             <a:extLst>
               <a:ext uri="{28A0092B-C50C-407E-A947-70E740481C1C}">
                 <a14:useLocalDpi xmlns:a14="http://schemas.microsoft.com/office/drawing/2010/main" val="0"/>
@@ -5598,7 +5591,7 @@
         </p:blipFill>
         <p:spPr bwMode="auto">
           <a:xfrm>
-            <a:off x="0" y="0"/>
+            <a:off x="0" y="-1"/>
             <a:ext cx="12192003" cy="6858001"/>
           </a:xfrm>
           <a:prstGeom prst="rect">
@@ -5744,7 +5737,7 @@
           <a:p>
             <a:fld id="{563CF30B-D3B5-43E7-A704-6F2A718C3E66}" type="datetimeFigureOut">
               <a:rPr lang="en-IN" smtClean="0"/>
-              <a:t>16-02-2021</a:t>
+              <a:t>01-03-2021</a:t>
             </a:fld>
             <a:endParaRPr lang="en-IN"/>
           </a:p>
@@ -5827,29 +5820,29 @@
     </p:spTree>
     <p:extLst>
       <p:ext uri="{BB962C8B-B14F-4D97-AF65-F5344CB8AC3E}">
-        <p14:creationId xmlns:p14="http://schemas.microsoft.com/office/powerpoint/2010/main" val="1959425258"/>
+        <p14:creationId xmlns:p14="http://schemas.microsoft.com/office/powerpoint/2010/main" val="2014588819"/>
       </p:ext>
     </p:extLst>
   </p:cSld>
   <p:clrMap bg1="lt1" tx1="dk1" bg2="lt2" tx2="dk2" accent1="accent1" accent2="accent2" accent3="accent3" accent4="accent4" accent5="accent5" accent6="accent6" hlink="hlink" folHlink="folHlink"/>
   <p:sldLayoutIdLst>
-    <p:sldLayoutId id="2147483679" r:id="rId1"/>
-    <p:sldLayoutId id="2147483680" r:id="rId2"/>
-    <p:sldLayoutId id="2147483681" r:id="rId3"/>
-    <p:sldLayoutId id="2147483682" r:id="rId4"/>
-    <p:sldLayoutId id="2147483683" r:id="rId5"/>
-    <p:sldLayoutId id="2147483684" r:id="rId6"/>
-    <p:sldLayoutId id="2147483685" r:id="rId7"/>
-    <p:sldLayoutId id="2147483686" r:id="rId8"/>
-    <p:sldLayoutId id="2147483687" r:id="rId9"/>
-    <p:sldLayoutId id="2147483688" r:id="rId10"/>
-    <p:sldLayoutId id="2147483689" r:id="rId11"/>
-    <p:sldLayoutId id="2147483690" r:id="rId12"/>
-    <p:sldLayoutId id="2147483691" r:id="rId13"/>
-    <p:sldLayoutId id="2147483692" r:id="rId14"/>
-    <p:sldLayoutId id="2147483693" r:id="rId15"/>
-    <p:sldLayoutId id="2147483694" r:id="rId16"/>
-    <p:sldLayoutId id="2147483695" r:id="rId17"/>
+    <p:sldLayoutId id="2147483895" r:id="rId1"/>
+    <p:sldLayoutId id="2147483896" r:id="rId2"/>
+    <p:sldLayoutId id="2147483897" r:id="rId3"/>
+    <p:sldLayoutId id="2147483898" r:id="rId4"/>
+    <p:sldLayoutId id="2147483899" r:id="rId5"/>
+    <p:sldLayoutId id="2147483900" r:id="rId6"/>
+    <p:sldLayoutId id="2147483901" r:id="rId7"/>
+    <p:sldLayoutId id="2147483902" r:id="rId8"/>
+    <p:sldLayoutId id="2147483903" r:id="rId9"/>
+    <p:sldLayoutId id="2147483904" r:id="rId10"/>
+    <p:sldLayoutId id="2147483905" r:id="rId11"/>
+    <p:sldLayoutId id="2147483906" r:id="rId12"/>
+    <p:sldLayoutId id="2147483907" r:id="rId13"/>
+    <p:sldLayoutId id="2147483908" r:id="rId14"/>
+    <p:sldLayoutId id="2147483909" r:id="rId15"/>
+    <p:sldLayoutId id="2147483910" r:id="rId16"/>
+    <p:sldLayoutId id="2147483911" r:id="rId17"/>
   </p:sldLayoutIdLst>
   <p:txStyles>
     <p:titleStyle>
@@ -7461,14 +7454,14 @@
           <p:nvPr>
             <p:extLst>
               <p:ext uri="{D42A27DB-BD31-4B8C-83A1-F6EECF244321}">
-                <p14:modId xmlns:p14="http://schemas.microsoft.com/office/powerpoint/2010/main" val="1725370007"/>
+                <p14:modId xmlns:p14="http://schemas.microsoft.com/office/powerpoint/2010/main" val="1237675712"/>
               </p:ext>
             </p:extLst>
           </p:nvPr>
         </p:nvGraphicFramePr>
         <p:xfrm>
           <a:off x="3589338" y="1360488"/>
-          <a:ext cx="4449762" cy="5170572"/>
+          <a:ext cx="4449762" cy="5444842"/>
         </p:xfrm>
         <a:graphic>
           <a:graphicData uri="http://schemas.openxmlformats.org/drawingml/2006/table">
@@ -7785,6 +7778,10 @@
                         <a:rPr lang="en-IN" sz="1800" dirty="0" err="1"/>
                         <a:t>tbl_FAQs</a:t>
                       </a:r>
+                      <a:endParaRPr lang="en-IN" sz="1800"/>
+                    </a:p>
+                    <a:p>
+                      <a:pPr algn="ctr"/>
                       <a:endParaRPr lang="en-IN" sz="1800" dirty="0"/>
                     </a:p>
                   </a:txBody>
@@ -8210,14 +8207,14 @@
           <p:nvPr>
             <p:extLst>
               <p:ext uri="{D42A27DB-BD31-4B8C-83A1-F6EECF244321}">
-                <p14:modId xmlns:p14="http://schemas.microsoft.com/office/powerpoint/2010/main" val="1057722651"/>
+                <p14:modId xmlns:p14="http://schemas.microsoft.com/office/powerpoint/2010/main" val="746897227"/>
               </p:ext>
             </p:extLst>
           </p:nvPr>
         </p:nvGraphicFramePr>
         <p:xfrm>
           <a:off x="1119333" y="1177926"/>
-          <a:ext cx="9908885" cy="5637991"/>
+          <a:ext cx="9908885" cy="5188402"/>
         </p:xfrm>
         <a:graphic>
           <a:graphicData uri="http://schemas.openxmlformats.org/drawingml/2006/table">
@@ -9080,111 +9077,6 @@
                 <a:extLst>
                   <a:ext uri="{0D108BD9-81ED-4DB2-BD59-A6C34878D82A}">
                     <a16:rowId xmlns:a16="http://schemas.microsoft.com/office/drawing/2014/main" val="10005"/>
-                  </a:ext>
-                </a:extLst>
-              </a:tr>
-              <a:tr h="449589">
-                <a:tc>
-                  <a:txBody>
-                    <a:bodyPr/>
-                    <a:lstStyle/>
-                    <a:p>
-                      <a:r>
-                        <a:rPr lang="en-IN" i="0" dirty="0">
-                          <a:solidFill>
-                            <a:srgbClr val="000000"/>
-                          </a:solidFill>
-                          <a:effectLst/>
-                        </a:rPr>
-                        <a:t>post</a:t>
-                      </a:r>
-                    </a:p>
-                  </a:txBody>
-                  <a:tcPr anchor="ctr"/>
-                </a:tc>
-                <a:tc>
-                  <a:txBody>
-                    <a:bodyPr/>
-                    <a:lstStyle/>
-                    <a:p>
-                      <a:pPr rtl="0"/>
-                      <a:r>
-                        <a:rPr lang="en-IN" dirty="0" err="1">
-                          <a:solidFill>
-                            <a:srgbClr val="000000"/>
-                          </a:solidFill>
-                          <a:effectLst/>
-                        </a:rPr>
-                        <a:t>longtext</a:t>
-                      </a:r>
-                      <a:endParaRPr lang="en-IN" dirty="0">
-                        <a:solidFill>
-                          <a:srgbClr val="000000"/>
-                        </a:solidFill>
-                        <a:effectLst/>
-                      </a:endParaRPr>
-                    </a:p>
-                  </a:txBody>
-                  <a:tcPr anchor="ctr"/>
-                </a:tc>
-                <a:tc>
-                  <a:txBody>
-                    <a:bodyPr/>
-                    <a:lstStyle/>
-                    <a:p>
-                      <a:r>
-                        <a:rPr lang="en-IN" dirty="0">
-                          <a:solidFill>
-                            <a:srgbClr val="000000"/>
-                          </a:solidFill>
-                          <a:effectLst/>
-                        </a:rPr>
-                        <a:t>Not Null</a:t>
-                      </a:r>
-                    </a:p>
-                  </a:txBody>
-                  <a:tcPr anchor="ctr"/>
-                </a:tc>
-                <a:tc>
-                  <a:txBody>
-                    <a:bodyPr/>
-                    <a:lstStyle/>
-                    <a:p>
-                      <a:pPr marL="0" marR="0" lvl="0" indent="0" algn="l" defTabSz="914400" rtl="0" eaLnBrk="1" fontAlgn="auto" latinLnBrk="0" hangingPunct="1">
-                        <a:lnSpc>
-                          <a:spcPct val="107000"/>
-                        </a:lnSpc>
-                        <a:spcBef>
-                          <a:spcPts val="0"/>
-                        </a:spcBef>
-                        <a:spcAft>
-                          <a:spcPts val="800"/>
-                        </a:spcAft>
-                        <a:buClrTx/>
-                        <a:buSzTx/>
-                        <a:buFontTx/>
-                        <a:buNone/>
-                        <a:tabLst/>
-                        <a:defRPr/>
-                      </a:pPr>
-                      <a:r>
-                        <a:rPr lang="en-IN" sz="1800" dirty="0">
-                          <a:effectLst/>
-                        </a:rPr>
-                        <a:t>This field contains posts</a:t>
-                      </a:r>
-                      <a:endParaRPr lang="en-IN" sz="1800" dirty="0">
-                        <a:effectLst/>
-                        <a:latin typeface="Times New Roman" pitchFamily="18" charset="0"/>
-                        <a:cs typeface="Times New Roman" pitchFamily="18" charset="0"/>
-                      </a:endParaRPr>
-                    </a:p>
-                  </a:txBody>
-                  <a:tcPr marL="72544" marR="72544" marT="0" marB="0"/>
-                </a:tc>
-                <a:extLst>
-                  <a:ext uri="{0D108BD9-81ED-4DB2-BD59-A6C34878D82A}">
-                    <a16:rowId xmlns:a16="http://schemas.microsoft.com/office/drawing/2014/main" val="10006"/>
                   </a:ext>
                 </a:extLst>
               </a:tr>
@@ -11466,7 +11358,7 @@
           <p:nvPr>
             <p:extLst>
               <p:ext uri="{D42A27DB-BD31-4B8C-83A1-F6EECF244321}">
-                <p14:modId xmlns:p14="http://schemas.microsoft.com/office/powerpoint/2010/main" val="2913185266"/>
+                <p14:modId xmlns:p14="http://schemas.microsoft.com/office/powerpoint/2010/main" val="1234935182"/>
               </p:ext>
             </p:extLst>
           </p:nvPr>
@@ -12028,7 +11920,7 @@
                           </a:solidFill>
                           <a:effectLst/>
                         </a:rPr>
-                        <a:t>varchar(200)</a:t>
+                        <a:t>text</a:t>
                       </a:r>
                     </a:p>
                   </a:txBody>
@@ -14109,14 +14001,14 @@
           <p:nvPr>
             <p:extLst>
               <p:ext uri="{D42A27DB-BD31-4B8C-83A1-F6EECF244321}">
-                <p14:modId xmlns:p14="http://schemas.microsoft.com/office/powerpoint/2010/main" val="3721506435"/>
+                <p14:modId xmlns:p14="http://schemas.microsoft.com/office/powerpoint/2010/main" val="655490437"/>
               </p:ext>
             </p:extLst>
           </p:nvPr>
         </p:nvGraphicFramePr>
         <p:xfrm>
           <a:off x="368300" y="1688810"/>
-          <a:ext cx="10368973" cy="3767553"/>
+          <a:ext cx="10368973" cy="3237325"/>
         </p:xfrm>
         <a:graphic>
           <a:graphicData uri="http://schemas.openxmlformats.org/drawingml/2006/table">
@@ -14711,111 +14603,6 @@
                 <a:extLst>
                   <a:ext uri="{0D108BD9-81ED-4DB2-BD59-A6C34878D82A}">
                     <a16:rowId xmlns:a16="http://schemas.microsoft.com/office/drawing/2014/main" val="2154468842"/>
-                  </a:ext>
-                </a:extLst>
-              </a:tr>
-              <a:tr h="530228">
-                <a:tc>
-                  <a:txBody>
-                    <a:bodyPr/>
-                    <a:lstStyle/>
-                    <a:p>
-                      <a:r>
-                        <a:rPr lang="en-IN" dirty="0">
-                          <a:solidFill>
-                            <a:srgbClr val="000000"/>
-                          </a:solidFill>
-                          <a:effectLst/>
-                        </a:rPr>
-                        <a:t>amounts</a:t>
-                      </a:r>
-                    </a:p>
-                  </a:txBody>
-                  <a:tcPr anchor="ctr"/>
-                </a:tc>
-                <a:tc>
-                  <a:txBody>
-                    <a:bodyPr/>
-                    <a:lstStyle/>
-                    <a:p>
-                      <a:pPr rtl="0"/>
-                      <a:r>
-                        <a:rPr lang="en-IN" dirty="0">
-                          <a:solidFill>
-                            <a:srgbClr val="000000"/>
-                          </a:solidFill>
-                          <a:effectLst/>
-                        </a:rPr>
-                        <a:t>int(5)</a:t>
-                      </a:r>
-                    </a:p>
-                  </a:txBody>
-                  <a:tcPr anchor="ctr"/>
-                </a:tc>
-                <a:tc>
-                  <a:txBody>
-                    <a:bodyPr/>
-                    <a:lstStyle/>
-                    <a:p>
-                      <a:r>
-                        <a:rPr lang="en-IN" dirty="0">
-                          <a:solidFill>
-                            <a:srgbClr val="000000"/>
-                          </a:solidFill>
-                          <a:effectLst/>
-                        </a:rPr>
-                        <a:t>Not Null</a:t>
-                      </a:r>
-                    </a:p>
-                  </a:txBody>
-                  <a:tcPr anchor="ctr"/>
-                </a:tc>
-                <a:tc>
-                  <a:txBody>
-                    <a:bodyPr/>
-                    <a:lstStyle/>
-                    <a:p>
-                      <a:pPr marL="0" marR="0" lvl="0" indent="0" algn="l" defTabSz="914400" rtl="0" eaLnBrk="1" fontAlgn="auto" latinLnBrk="0" hangingPunct="1">
-                        <a:lnSpc>
-                          <a:spcPct val="107000"/>
-                        </a:lnSpc>
-                        <a:spcBef>
-                          <a:spcPts val="0"/>
-                        </a:spcBef>
-                        <a:spcAft>
-                          <a:spcPts val="800"/>
-                        </a:spcAft>
-                        <a:buClrTx/>
-                        <a:buSzTx/>
-                        <a:buFontTx/>
-                        <a:buNone/>
-                        <a:tabLst/>
-                        <a:defRPr/>
-                      </a:pPr>
-                      <a:r>
-                        <a:rPr lang="en-IN" sz="1800" dirty="0">
-                          <a:effectLst/>
-                        </a:rPr>
-                        <a:t>This field contains</a:t>
-                      </a:r>
-                      <a:r>
-                        <a:rPr lang="en-IN" sz="1800" baseline="0" dirty="0">
-                          <a:effectLst/>
-                        </a:rPr>
-                        <a:t> amounts.</a:t>
-                      </a:r>
-                      <a:endParaRPr lang="en-IN" sz="1800" dirty="0">
-                        <a:effectLst/>
-                        <a:latin typeface="Times New Roman" pitchFamily="18" charset="0"/>
-                        <a:cs typeface="Times New Roman" pitchFamily="18" charset="0"/>
-                      </a:endParaRPr>
-                    </a:p>
-                  </a:txBody>
-                  <a:tcPr marL="72544" marR="72544" marT="0" marB="0"/>
-                </a:tc>
-                <a:extLst>
-                  <a:ext uri="{0D108BD9-81ED-4DB2-BD59-A6C34878D82A}">
-                    <a16:rowId xmlns:a16="http://schemas.microsoft.com/office/drawing/2014/main" val="1280651934"/>
                   </a:ext>
                 </a:extLst>
               </a:tr>
@@ -15512,14 +15299,14 @@
           <p:nvPr>
             <p:extLst>
               <p:ext uri="{D42A27DB-BD31-4B8C-83A1-F6EECF244321}">
-                <p14:modId xmlns:p14="http://schemas.microsoft.com/office/powerpoint/2010/main" val="1620321222"/>
+                <p14:modId xmlns:p14="http://schemas.microsoft.com/office/powerpoint/2010/main" val="3151337916"/>
               </p:ext>
             </p:extLst>
           </p:nvPr>
         </p:nvGraphicFramePr>
         <p:xfrm>
           <a:off x="368300" y="1800370"/>
-          <a:ext cx="10798463" cy="3783734"/>
+          <a:ext cx="10798463" cy="3243477"/>
         </p:xfrm>
         <a:graphic>
           <a:graphicData uri="http://schemas.openxmlformats.org/drawingml/2006/table">
@@ -16294,97 +16081,6 @@
                 <a:extLst>
                   <a:ext uri="{0D108BD9-81ED-4DB2-BD59-A6C34878D82A}">
                     <a16:rowId xmlns:a16="http://schemas.microsoft.com/office/drawing/2014/main" val="10004"/>
-                  </a:ext>
-                </a:extLst>
-              </a:tr>
-              <a:tr h="540257">
-                <a:tc>
-                  <a:txBody>
-                    <a:bodyPr/>
-                    <a:lstStyle/>
-                    <a:p>
-                      <a:r>
-                        <a:rPr lang="en-IN" dirty="0">
-                          <a:solidFill>
-                            <a:srgbClr val="000000"/>
-                          </a:solidFill>
-                          <a:effectLst/>
-                        </a:rPr>
-                        <a:t>amounts</a:t>
-                      </a:r>
-                    </a:p>
-                  </a:txBody>
-                  <a:tcPr anchor="ctr"/>
-                </a:tc>
-                <a:tc>
-                  <a:txBody>
-                    <a:bodyPr/>
-                    <a:lstStyle/>
-                    <a:p>
-                      <a:pPr rtl="0"/>
-                      <a:r>
-                        <a:rPr lang="en-IN" dirty="0">
-                          <a:solidFill>
-                            <a:srgbClr val="000000"/>
-                          </a:solidFill>
-                          <a:effectLst/>
-                        </a:rPr>
-                        <a:t>int(5)</a:t>
-                      </a:r>
-                    </a:p>
-                  </a:txBody>
-                  <a:tcPr anchor="ctr"/>
-                </a:tc>
-                <a:tc>
-                  <a:txBody>
-                    <a:bodyPr/>
-                    <a:lstStyle/>
-                    <a:p>
-                      <a:r>
-                        <a:rPr lang="en-IN" dirty="0">
-                          <a:solidFill>
-                            <a:srgbClr val="000000"/>
-                          </a:solidFill>
-                          <a:effectLst/>
-                        </a:rPr>
-                        <a:t>Not Null</a:t>
-                      </a:r>
-                    </a:p>
-                  </a:txBody>
-                  <a:tcPr anchor="ctr"/>
-                </a:tc>
-                <a:tc>
-                  <a:txBody>
-                    <a:bodyPr/>
-                    <a:lstStyle/>
-                    <a:p>
-                      <a:pPr algn="l">
-                        <a:lnSpc>
-                          <a:spcPct val="107000"/>
-                        </a:lnSpc>
-                        <a:spcAft>
-                          <a:spcPts val="800"/>
-                        </a:spcAft>
-                      </a:pPr>
-                      <a:r>
-                        <a:rPr lang="en-IN" sz="1800" dirty="0">
-                          <a:effectLst/>
-                        </a:rPr>
-                        <a:t>This field contains amounts.</a:t>
-                      </a:r>
-                      <a:endParaRPr lang="en-IN" sz="1800" dirty="0">
-                        <a:effectLst/>
-                        <a:latin typeface="Times New Roman" pitchFamily="18" charset="0"/>
-                        <a:ea typeface="Calibri"/>
-                        <a:cs typeface="Times New Roman" pitchFamily="18" charset="0"/>
-                      </a:endParaRPr>
-                    </a:p>
-                  </a:txBody>
-                  <a:tcPr marL="72544" marR="72544" marT="0" marB="0"/>
-                </a:tc>
-                <a:extLst>
-                  <a:ext uri="{0D108BD9-81ED-4DB2-BD59-A6C34878D82A}">
-                    <a16:rowId xmlns:a16="http://schemas.microsoft.com/office/drawing/2014/main" val="10005"/>
                   </a:ext>
                 </a:extLst>
               </a:tr>
@@ -18040,14 +17736,14 @@
           <p:nvPr>
             <p:extLst>
               <p:ext uri="{D42A27DB-BD31-4B8C-83A1-F6EECF244321}">
-                <p14:modId xmlns:p14="http://schemas.microsoft.com/office/powerpoint/2010/main" val="819018553"/>
+                <p14:modId xmlns:p14="http://schemas.microsoft.com/office/powerpoint/2010/main" val="2842546168"/>
               </p:ext>
             </p:extLst>
           </p:nvPr>
         </p:nvGraphicFramePr>
         <p:xfrm>
           <a:off x="368300" y="1537133"/>
-          <a:ext cx="10729190" cy="2965594"/>
+          <a:ext cx="10729190" cy="3510855"/>
         </p:xfrm>
         <a:graphic>
           <a:graphicData uri="http://schemas.openxmlformats.org/drawingml/2006/table">
@@ -18440,6 +18136,108 @@
                 <a:extLst>
                   <a:ext uri="{0D108BD9-81ED-4DB2-BD59-A6C34878D82A}">
                     <a16:rowId xmlns:a16="http://schemas.microsoft.com/office/drawing/2014/main" val="3488275967"/>
+                  </a:ext>
+                </a:extLst>
+              </a:tr>
+              <a:tr h="545261">
+                <a:tc>
+                  <a:txBody>
+                    <a:bodyPr/>
+                    <a:lstStyle/>
+                    <a:p>
+                      <a:r>
+                        <a:rPr lang="en-IN" dirty="0" err="1">
+                          <a:solidFill>
+                            <a:srgbClr val="000000"/>
+                          </a:solidFill>
+                          <a:effectLst/>
+                        </a:rPr>
+                        <a:t>Post_id</a:t>
+                      </a:r>
+                      <a:endParaRPr lang="en-IN" dirty="0">
+                        <a:solidFill>
+                          <a:srgbClr val="000000"/>
+                        </a:solidFill>
+                        <a:effectLst/>
+                      </a:endParaRPr>
+                    </a:p>
+                  </a:txBody>
+                  <a:tcPr anchor="ctr"/>
+                </a:tc>
+                <a:tc>
+                  <a:txBody>
+                    <a:bodyPr/>
+                    <a:lstStyle/>
+                    <a:p>
+                      <a:pPr rtl="0"/>
+                      <a:endParaRPr lang="en-IN" dirty="0">
+                        <a:solidFill>
+                          <a:srgbClr val="000000"/>
+                        </a:solidFill>
+                        <a:effectLst/>
+                      </a:endParaRPr>
+                    </a:p>
+                  </a:txBody>
+                  <a:tcPr anchor="ctr"/>
+                </a:tc>
+                <a:tc>
+                  <a:txBody>
+                    <a:bodyPr/>
+                    <a:lstStyle/>
+                    <a:p>
+                      <a:pPr marL="0" marR="0" lvl="0" indent="0" algn="l" defTabSz="914400" rtl="0" eaLnBrk="1" fontAlgn="auto" latinLnBrk="0" hangingPunct="1">
+                        <a:lnSpc>
+                          <a:spcPct val="100000"/>
+                        </a:lnSpc>
+                        <a:spcBef>
+                          <a:spcPts val="0"/>
+                        </a:spcBef>
+                        <a:spcAft>
+                          <a:spcPts val="0"/>
+                        </a:spcAft>
+                        <a:buClrTx/>
+                        <a:buSzTx/>
+                        <a:buFontTx/>
+                        <a:buNone/>
+                        <a:tabLst/>
+                        <a:defRPr/>
+                      </a:pPr>
+                      <a:endParaRPr lang="en-IN" sz="1800" dirty="0">
+                        <a:effectLst/>
+                        <a:latin typeface="Times New Roman" pitchFamily="18" charset="0"/>
+                        <a:ea typeface="Calibri"/>
+                        <a:cs typeface="Times New Roman" pitchFamily="18" charset="0"/>
+                      </a:endParaRPr>
+                    </a:p>
+                  </a:txBody>
+                  <a:tcPr anchor="ctr"/>
+                </a:tc>
+                <a:tc>
+                  <a:txBody>
+                    <a:bodyPr/>
+                    <a:lstStyle/>
+                    <a:p>
+                      <a:pPr algn="l">
+                        <a:lnSpc>
+                          <a:spcPct val="107000"/>
+                        </a:lnSpc>
+                        <a:spcAft>
+                          <a:spcPts val="800"/>
+                        </a:spcAft>
+                      </a:pPr>
+                      <a:endParaRPr lang="en-IN" sz="1800" dirty="0">
+                        <a:effectLst/>
+                        <a:latin typeface="Times New Roman" pitchFamily="18" charset="0"/>
+                        <a:ea typeface="Calibri"/>
+                        <a:cs typeface="Times New Roman" pitchFamily="18" charset="0"/>
+                      </a:endParaRPr>
+                    </a:p>
+                  </a:txBody>
+                  <a:tcPr marL="72544" marR="72544" marT="0" marB="0"/>
+                </a:tc>
+                <a:extLst>
+                  <a:ext uri="{0D108BD9-81ED-4DB2-BD59-A6C34878D82A}">
+                    <a16:rowId xmlns:a16="http://schemas.microsoft.com/office/drawing/2014/main" val="315955552"/>
                   </a:ext>
                 </a:extLst>
               </a:tr>
@@ -25418,6 +25216,267 @@
                 <a:latin typeface="Times New Roman" pitchFamily="18" charset="0"/>
                 <a:cs typeface="Times New Roman" pitchFamily="18" charset="0"/>
               </a:rPr>
+              <a:t>Use Case </a:t>
+            </a:r>
+          </a:p>
+          <a:p>
+            <a:pPr algn="ctr" eaLnBrk="1" fontAlgn="auto" hangingPunct="1">
+              <a:lnSpc>
+                <a:spcPct val="150000"/>
+              </a:lnSpc>
+              <a:spcBef>
+                <a:spcPts val="0"/>
+              </a:spcBef>
+              <a:spcAft>
+                <a:spcPts val="0"/>
+              </a:spcAft>
+              <a:defRPr/>
+            </a:pPr>
+            <a:r>
+              <a:rPr lang="en-US" sz="7200" b="1" u="sng" dirty="0">
+                <a:ln w="1905"/>
+                <a:gradFill>
+                  <a:gsLst>
+                    <a:gs pos="0">
+                      <a:schemeClr val="accent6">
+                        <a:shade val="20000"/>
+                        <a:satMod val="200000"/>
+                      </a:schemeClr>
+                    </a:gs>
+                    <a:gs pos="78000">
+                      <a:schemeClr val="accent6">
+                        <a:tint val="90000"/>
+                        <a:shade val="89000"/>
+                        <a:satMod val="220000"/>
+                      </a:schemeClr>
+                    </a:gs>
+                    <a:gs pos="100000">
+                      <a:schemeClr val="accent6">
+                        <a:tint val="12000"/>
+                        <a:satMod val="255000"/>
+                      </a:schemeClr>
+                    </a:gs>
+                  </a:gsLst>
+                  <a:lin ang="5400000"/>
+                </a:gradFill>
+                <a:effectLst>
+                  <a:innerShdw blurRad="69850" dist="43180" dir="5400000">
+                    <a:srgbClr val="000000">
+                      <a:alpha val="65000"/>
+                    </a:srgbClr>
+                  </a:innerShdw>
+                </a:effectLst>
+                <a:latin typeface="Times New Roman" pitchFamily="18" charset="0"/>
+                <a:cs typeface="Times New Roman" pitchFamily="18" charset="0"/>
+              </a:rPr>
+              <a:t>Diagram </a:t>
+            </a:r>
+            <a:endParaRPr lang="en-US" sz="7200" b="1" dirty="0">
+              <a:ln w="1905"/>
+              <a:gradFill>
+                <a:gsLst>
+                  <a:gs pos="0">
+                    <a:schemeClr val="accent6">
+                      <a:shade val="20000"/>
+                      <a:satMod val="200000"/>
+                    </a:schemeClr>
+                  </a:gs>
+                  <a:gs pos="78000">
+                    <a:schemeClr val="accent6">
+                      <a:tint val="90000"/>
+                      <a:shade val="89000"/>
+                      <a:satMod val="220000"/>
+                    </a:schemeClr>
+                  </a:gs>
+                  <a:gs pos="100000">
+                    <a:schemeClr val="accent6">
+                      <a:tint val="12000"/>
+                      <a:satMod val="255000"/>
+                    </a:schemeClr>
+                  </a:gs>
+                </a:gsLst>
+                <a:lin ang="5400000"/>
+              </a:gradFill>
+              <a:effectLst>
+                <a:innerShdw blurRad="69850" dist="43180" dir="5400000">
+                  <a:srgbClr val="000000">
+                    <a:alpha val="65000"/>
+                  </a:srgbClr>
+                </a:innerShdw>
+              </a:effectLst>
+              <a:latin typeface="+mn-lt"/>
+              <a:cs typeface="+mn-cs"/>
+            </a:endParaRPr>
+          </a:p>
+        </p:txBody>
+      </p:sp>
+    </p:spTree>
+    <p:extLst>
+      <p:ext uri="{BB962C8B-B14F-4D97-AF65-F5344CB8AC3E}">
+        <p14:creationId xmlns:p14="http://schemas.microsoft.com/office/powerpoint/2010/main" val="1645998365"/>
+      </p:ext>
+    </p:extLst>
+  </p:cSld>
+  <p:clrMapOvr>
+    <a:masterClrMapping/>
+  </p:clrMapOvr>
+</p:sld>
+</file>
+
+<file path=ppt/slides/slide25.xml><?xml version="1.0" encoding="utf-8"?>
+<p:sld xmlns:a="http://schemas.openxmlformats.org/drawingml/2006/main" xmlns:r="http://schemas.openxmlformats.org/officeDocument/2006/relationships" xmlns:p="http://schemas.openxmlformats.org/presentationml/2006/main">
+  <p:cSld>
+    <p:spTree>
+      <p:nvGrpSpPr>
+        <p:cNvPr id="1" name=""/>
+        <p:cNvGrpSpPr/>
+        <p:nvPr/>
+      </p:nvGrpSpPr>
+      <p:grpSpPr>
+        <a:xfrm>
+          <a:off x="0" y="0"/>
+          <a:ext cx="0" cy="0"/>
+          <a:chOff x="0" y="0"/>
+          <a:chExt cx="0" cy="0"/>
+        </a:xfrm>
+      </p:grpSpPr>
+      <p:pic>
+        <p:nvPicPr>
+          <p:cNvPr id="3" name="Picture 2">
+            <a:extLst>
+              <a:ext uri="{FF2B5EF4-FFF2-40B4-BE49-F238E27FC236}">
+                <a16:creationId xmlns:a16="http://schemas.microsoft.com/office/drawing/2014/main" id="{18BDAC87-F7AF-43E5-A1F5-EF6E995EB41C}"/>
+              </a:ext>
+            </a:extLst>
+          </p:cNvPr>
+          <p:cNvPicPr>
+            <a:picLocks noChangeAspect="1"/>
+          </p:cNvPicPr>
+          <p:nvPr/>
+        </p:nvPicPr>
+        <p:blipFill>
+          <a:blip r:embed="rId2"/>
+          <a:stretch>
+            <a:fillRect/>
+          </a:stretch>
+        </p:blipFill>
+        <p:spPr>
+          <a:xfrm>
+            <a:off x="-96982" y="1"/>
+            <a:ext cx="12191999" cy="6857999"/>
+          </a:xfrm>
+          <a:prstGeom prst="rect">
+            <a:avLst/>
+          </a:prstGeom>
+        </p:spPr>
+      </p:pic>
+    </p:spTree>
+    <p:extLst>
+      <p:ext uri="{BB962C8B-B14F-4D97-AF65-F5344CB8AC3E}">
+        <p14:creationId xmlns:p14="http://schemas.microsoft.com/office/powerpoint/2010/main" val="3993571808"/>
+      </p:ext>
+    </p:extLst>
+  </p:cSld>
+  <p:clrMapOvr>
+    <a:masterClrMapping/>
+  </p:clrMapOvr>
+</p:sld>
+</file>
+
+<file path=ppt/slides/slide26.xml><?xml version="1.0" encoding="utf-8"?>
+<p:sld xmlns:a="http://schemas.openxmlformats.org/drawingml/2006/main" xmlns:r="http://schemas.openxmlformats.org/officeDocument/2006/relationships" xmlns:p="http://schemas.openxmlformats.org/presentationml/2006/main">
+  <p:cSld>
+    <p:spTree>
+      <p:nvGrpSpPr>
+        <p:cNvPr id="1" name=""/>
+        <p:cNvGrpSpPr/>
+        <p:nvPr/>
+      </p:nvGrpSpPr>
+      <p:grpSpPr>
+        <a:xfrm>
+          <a:off x="0" y="0"/>
+          <a:ext cx="0" cy="0"/>
+          <a:chOff x="0" y="0"/>
+          <a:chExt cx="0" cy="0"/>
+        </a:xfrm>
+      </p:grpSpPr>
+      <p:sp>
+        <p:nvSpPr>
+          <p:cNvPr id="2" name="Rectangle 1">
+            <a:extLst>
+              <a:ext uri="{FF2B5EF4-FFF2-40B4-BE49-F238E27FC236}">
+                <a16:creationId xmlns:a16="http://schemas.microsoft.com/office/drawing/2014/main" id="{4A56CE68-72E2-4FEE-9033-20DF661190EC}"/>
+              </a:ext>
+            </a:extLst>
+          </p:cNvPr>
+          <p:cNvSpPr/>
+          <p:nvPr/>
+        </p:nvSpPr>
+        <p:spPr>
+          <a:xfrm>
+            <a:off x="1827026" y="1812243"/>
+            <a:ext cx="7873339" cy="3233514"/>
+          </a:xfrm>
+          <a:prstGeom prst="rect">
+            <a:avLst/>
+          </a:prstGeom>
+          <a:noFill/>
+        </p:spPr>
+        <p:txBody>
+          <a:bodyPr>
+            <a:spAutoFit/>
+          </a:bodyPr>
+          <a:lstStyle/>
+          <a:p>
+            <a:pPr algn="ctr" eaLnBrk="1" fontAlgn="auto" hangingPunct="1">
+              <a:lnSpc>
+                <a:spcPct val="150000"/>
+              </a:lnSpc>
+              <a:spcBef>
+                <a:spcPts val="0"/>
+              </a:spcBef>
+              <a:spcAft>
+                <a:spcPts val="0"/>
+              </a:spcAft>
+              <a:defRPr/>
+            </a:pPr>
+            <a:r>
+              <a:rPr lang="en-US" sz="7200" b="1" u="sng" dirty="0">
+                <a:ln w="1905"/>
+                <a:gradFill>
+                  <a:gsLst>
+                    <a:gs pos="0">
+                      <a:schemeClr val="accent6">
+                        <a:shade val="20000"/>
+                        <a:satMod val="200000"/>
+                      </a:schemeClr>
+                    </a:gs>
+                    <a:gs pos="78000">
+                      <a:schemeClr val="accent6">
+                        <a:tint val="90000"/>
+                        <a:shade val="89000"/>
+                        <a:satMod val="220000"/>
+                      </a:schemeClr>
+                    </a:gs>
+                    <a:gs pos="100000">
+                      <a:schemeClr val="accent6">
+                        <a:tint val="12000"/>
+                        <a:satMod val="255000"/>
+                      </a:schemeClr>
+                    </a:gs>
+                  </a:gsLst>
+                  <a:lin ang="5400000"/>
+                </a:gradFill>
+                <a:effectLst>
+                  <a:innerShdw blurRad="69850" dist="43180" dir="5400000">
+                    <a:srgbClr val="000000">
+                      <a:alpha val="65000"/>
+                    </a:srgbClr>
+                  </a:innerShdw>
+                </a:effectLst>
+                <a:latin typeface="Times New Roman" pitchFamily="18" charset="0"/>
+                <a:cs typeface="Times New Roman" pitchFamily="18" charset="0"/>
+              </a:rPr>
               <a:t>E-R</a:t>
             </a:r>
           </a:p>
@@ -25525,7 +25584,7 @@
 </p:sld>
 </file>
 
-<file path=ppt/slides/slide25.xml><?xml version="1.0" encoding="utf-8"?>
+<file path=ppt/slides/slide27.xml><?xml version="1.0" encoding="utf-8"?>
 <p:sld xmlns:a="http://schemas.openxmlformats.org/drawingml/2006/main" xmlns:r="http://schemas.openxmlformats.org/officeDocument/2006/relationships" xmlns:p="http://schemas.openxmlformats.org/presentationml/2006/main">
   <p:cSld>
     <p:spTree>
@@ -25591,7 +25650,7 @@
 </p:sld>
 </file>
 
-<file path=ppt/slides/slide26.xml><?xml version="1.0" encoding="utf-8"?>
+<file path=ppt/slides/slide28.xml><?xml version="1.0" encoding="utf-8"?>
 <p:sld xmlns:a="http://schemas.openxmlformats.org/drawingml/2006/main" xmlns:r="http://schemas.openxmlformats.org/officeDocument/2006/relationships" xmlns:p="http://schemas.openxmlformats.org/presentationml/2006/main">
   <p:cSld>
     <p:spTree>
@@ -25613,7 +25672,7 @@
           <p:cNvPr id="2" name="Rectangle 1">
             <a:extLst>
               <a:ext uri="{FF2B5EF4-FFF2-40B4-BE49-F238E27FC236}">
-                <a16:creationId xmlns:a16="http://schemas.microsoft.com/office/drawing/2014/main" id="{130BE0EF-121D-4EC7-A5B9-C07E52D615C3}"/>
+                <a16:creationId xmlns:a16="http://schemas.microsoft.com/office/drawing/2014/main" id="{4A56CE68-72E2-4FEE-9033-20DF661190EC}"/>
               </a:ext>
             </a:extLst>
           </p:cNvPr>
@@ -25622,8 +25681,8 @@
         </p:nvSpPr>
         <p:spPr>
           <a:xfrm>
-            <a:off x="1868591" y="38859"/>
-            <a:ext cx="7873339" cy="996298"/>
+            <a:off x="1827026" y="1812243"/>
+            <a:ext cx="7873339" cy="3233514"/>
           </a:xfrm>
           <a:prstGeom prst="rect">
             <a:avLst/>
@@ -25649,7 +25708,7 @@
               <a:defRPr/>
             </a:pPr>
             <a:r>
-              <a:rPr lang="en-US" sz="4400" b="1" u="sng" dirty="0">
+              <a:rPr lang="en-US" sz="7200" b="1" u="sng" dirty="0">
                 <a:ln w="1905"/>
                 <a:gradFill>
                   <a:gsLst>
@@ -25685,9 +25744,62 @@
                 <a:latin typeface="Times New Roman" pitchFamily="18" charset="0"/>
                 <a:cs typeface="Times New Roman" pitchFamily="18" charset="0"/>
               </a:rPr>
-              <a:t>Reference</a:t>
-            </a:r>
-            <a:endParaRPr lang="en-US" sz="4400" b="1" dirty="0">
+              <a:t>Class </a:t>
+            </a:r>
+          </a:p>
+          <a:p>
+            <a:pPr algn="ctr" eaLnBrk="1" fontAlgn="auto" hangingPunct="1">
+              <a:lnSpc>
+                <a:spcPct val="150000"/>
+              </a:lnSpc>
+              <a:spcBef>
+                <a:spcPts val="0"/>
+              </a:spcBef>
+              <a:spcAft>
+                <a:spcPts val="0"/>
+              </a:spcAft>
+              <a:defRPr/>
+            </a:pPr>
+            <a:r>
+              <a:rPr lang="en-US" sz="7200" b="1" u="sng" dirty="0">
+                <a:ln w="1905"/>
+                <a:gradFill>
+                  <a:gsLst>
+                    <a:gs pos="0">
+                      <a:schemeClr val="accent6">
+                        <a:shade val="20000"/>
+                        <a:satMod val="200000"/>
+                      </a:schemeClr>
+                    </a:gs>
+                    <a:gs pos="78000">
+                      <a:schemeClr val="accent6">
+                        <a:tint val="90000"/>
+                        <a:shade val="89000"/>
+                        <a:satMod val="220000"/>
+                      </a:schemeClr>
+                    </a:gs>
+                    <a:gs pos="100000">
+                      <a:schemeClr val="accent6">
+                        <a:tint val="12000"/>
+                        <a:satMod val="255000"/>
+                      </a:schemeClr>
+                    </a:gs>
+                  </a:gsLst>
+                  <a:lin ang="5400000"/>
+                </a:gradFill>
+                <a:effectLst>
+                  <a:innerShdw blurRad="69850" dist="43180" dir="5400000">
+                    <a:srgbClr val="000000">
+                      <a:alpha val="65000"/>
+                    </a:srgbClr>
+                  </a:innerShdw>
+                </a:effectLst>
+                <a:latin typeface="Times New Roman" pitchFamily="18" charset="0"/>
+                <a:cs typeface="Times New Roman" pitchFamily="18" charset="0"/>
+              </a:rPr>
+              <a:t>Diagram </a:t>
+            </a:r>
+            <a:endParaRPr lang="en-US" sz="7200" b="1" dirty="0">
               <a:ln w="1905"/>
               <a:gradFill>
                 <a:gsLst>
@@ -25726,186 +25838,70 @@
           </a:p>
         </p:txBody>
       </p:sp>
-      <p:sp>
-        <p:nvSpPr>
-          <p:cNvPr id="3" name="Rectangle 2">
+    </p:spTree>
+    <p:extLst>
+      <p:ext uri="{BB962C8B-B14F-4D97-AF65-F5344CB8AC3E}">
+        <p14:creationId xmlns:p14="http://schemas.microsoft.com/office/powerpoint/2010/main" val="4272983293"/>
+      </p:ext>
+    </p:extLst>
+  </p:cSld>
+  <p:clrMapOvr>
+    <a:masterClrMapping/>
+  </p:clrMapOvr>
+</p:sld>
+</file>
+
+<file path=ppt/slides/slide29.xml><?xml version="1.0" encoding="utf-8"?>
+<p:sld xmlns:a="http://schemas.openxmlformats.org/drawingml/2006/main" xmlns:r="http://schemas.openxmlformats.org/officeDocument/2006/relationships" xmlns:p="http://schemas.openxmlformats.org/presentationml/2006/main">
+  <p:cSld>
+    <p:spTree>
+      <p:nvGrpSpPr>
+        <p:cNvPr id="1" name=""/>
+        <p:cNvGrpSpPr/>
+        <p:nvPr/>
+      </p:nvGrpSpPr>
+      <p:grpSpPr>
+        <a:xfrm>
+          <a:off x="0" y="0"/>
+          <a:ext cx="0" cy="0"/>
+          <a:chOff x="0" y="0"/>
+          <a:chExt cx="0" cy="0"/>
+        </a:xfrm>
+      </p:grpSpPr>
+      <p:pic>
+        <p:nvPicPr>
+          <p:cNvPr id="3" name="Picture 2">
             <a:extLst>
               <a:ext uri="{FF2B5EF4-FFF2-40B4-BE49-F238E27FC236}">
-                <a16:creationId xmlns:a16="http://schemas.microsoft.com/office/drawing/2014/main" id="{CF552790-CED4-4C29-A432-8366F89182B2}"/>
+                <a16:creationId xmlns:a16="http://schemas.microsoft.com/office/drawing/2014/main" id="{6912E890-4378-418C-B89D-5AC8F191F727}"/>
               </a:ext>
             </a:extLst>
           </p:cNvPr>
-          <p:cNvSpPr/>
+          <p:cNvPicPr>
+            <a:picLocks noChangeAspect="1"/>
+          </p:cNvPicPr>
           <p:nvPr/>
-        </p:nvSpPr>
+        </p:nvPicPr>
+        <p:blipFill>
+          <a:blip r:embed="rId2"/>
+          <a:stretch>
+            <a:fillRect/>
+          </a:stretch>
+        </p:blipFill>
         <p:spPr>
           <a:xfrm>
-            <a:off x="1868591" y="1072787"/>
-            <a:ext cx="7873339" cy="966098"/>
+            <a:off x="0" y="0"/>
+            <a:ext cx="12192000" cy="6858000"/>
           </a:xfrm>
           <a:prstGeom prst="rect">
             <a:avLst/>
           </a:prstGeom>
-          <a:noFill/>
         </p:spPr>
-        <p:txBody>
-          <a:bodyPr>
-            <a:spAutoFit/>
-          </a:bodyPr>
-          <a:lstStyle/>
-          <a:p>
-            <a:pPr marL="342900" indent="-342900" eaLnBrk="1" fontAlgn="auto" hangingPunct="1">
-              <a:lnSpc>
-                <a:spcPct val="150000"/>
-              </a:lnSpc>
-              <a:spcBef>
-                <a:spcPts val="0"/>
-              </a:spcBef>
-              <a:spcAft>
-                <a:spcPts val="0"/>
-              </a:spcAft>
-              <a:buFont typeface="Arial" panose="020B0604020202020204" pitchFamily="34" charset="0"/>
-              <a:buChar char="•"/>
-              <a:defRPr/>
-            </a:pPr>
-            <a:r>
-              <a:rPr lang="en-US" sz="2000" b="1" dirty="0">
-                <a:ln w="1905"/>
-                <a:gradFill>
-                  <a:gsLst>
-                    <a:gs pos="0">
-                      <a:schemeClr val="accent6">
-                        <a:shade val="20000"/>
-                        <a:satMod val="200000"/>
-                      </a:schemeClr>
-                    </a:gs>
-                    <a:gs pos="78000">
-                      <a:schemeClr val="accent6">
-                        <a:tint val="90000"/>
-                        <a:shade val="89000"/>
-                        <a:satMod val="220000"/>
-                      </a:schemeClr>
-                    </a:gs>
-                    <a:gs pos="100000">
-                      <a:schemeClr val="accent6">
-                        <a:tint val="12000"/>
-                        <a:satMod val="255000"/>
-                      </a:schemeClr>
-                    </a:gs>
-                  </a:gsLst>
-                  <a:lin ang="5400000"/>
-                </a:gradFill>
-                <a:effectLst>
-                  <a:innerShdw blurRad="69850" dist="43180" dir="5400000">
-                    <a:srgbClr val="000000">
-                      <a:alpha val="65000"/>
-                    </a:srgbClr>
-                  </a:innerShdw>
-                </a:effectLst>
-                <a:latin typeface="+mn-lt"/>
-                <a:cs typeface="+mn-cs"/>
-                <a:hlinkClick r:id="rId2"/>
-              </a:rPr>
-              <a:t>https://www.dropbox.com/features/cloud-storage/photos</a:t>
-            </a:r>
-            <a:endParaRPr lang="en-US" sz="2000" b="1" dirty="0">
-              <a:ln w="1905"/>
-              <a:gradFill>
-                <a:gsLst>
-                  <a:gs pos="0">
-                    <a:schemeClr val="accent6">
-                      <a:shade val="20000"/>
-                      <a:satMod val="200000"/>
-                    </a:schemeClr>
-                  </a:gs>
-                  <a:gs pos="78000">
-                    <a:schemeClr val="accent6">
-                      <a:tint val="90000"/>
-                      <a:shade val="89000"/>
-                      <a:satMod val="220000"/>
-                    </a:schemeClr>
-                  </a:gs>
-                  <a:gs pos="100000">
-                    <a:schemeClr val="accent6">
-                      <a:tint val="12000"/>
-                      <a:satMod val="255000"/>
-                    </a:schemeClr>
-                  </a:gs>
-                </a:gsLst>
-                <a:lin ang="5400000"/>
-              </a:gradFill>
-              <a:effectLst>
-                <a:innerShdw blurRad="69850" dist="43180" dir="5400000">
-                  <a:srgbClr val="000000">
-                    <a:alpha val="65000"/>
-                  </a:srgbClr>
-                </a:innerShdw>
-              </a:effectLst>
-              <a:latin typeface="+mn-lt"/>
-              <a:cs typeface="+mn-cs"/>
-            </a:endParaRPr>
-          </a:p>
-          <a:p>
-            <a:pPr marL="342900" indent="-342900" eaLnBrk="1" fontAlgn="auto" hangingPunct="1">
-              <a:lnSpc>
-                <a:spcPct val="150000"/>
-              </a:lnSpc>
-              <a:spcBef>
-                <a:spcPts val="0"/>
-              </a:spcBef>
-              <a:spcAft>
-                <a:spcPts val="0"/>
-              </a:spcAft>
-              <a:buFont typeface="Arial" panose="020B0604020202020204" pitchFamily="34" charset="0"/>
-              <a:buChar char="•"/>
-              <a:defRPr/>
-            </a:pPr>
-            <a:r>
-              <a:rPr lang="en-US" sz="2000" b="1" dirty="0">
-                <a:ln w="1905"/>
-                <a:gradFill>
-                  <a:gsLst>
-                    <a:gs pos="0">
-                      <a:schemeClr val="accent6">
-                        <a:shade val="20000"/>
-                        <a:satMod val="200000"/>
-                      </a:schemeClr>
-                    </a:gs>
-                    <a:gs pos="78000">
-                      <a:schemeClr val="accent6">
-                        <a:tint val="90000"/>
-                        <a:shade val="89000"/>
-                        <a:satMod val="220000"/>
-                      </a:schemeClr>
-                    </a:gs>
-                    <a:gs pos="100000">
-                      <a:schemeClr val="accent6">
-                        <a:tint val="12000"/>
-                        <a:satMod val="255000"/>
-                      </a:schemeClr>
-                    </a:gs>
-                  </a:gsLst>
-                  <a:lin ang="5400000"/>
-                </a:gradFill>
-                <a:effectLst>
-                  <a:innerShdw blurRad="69850" dist="43180" dir="5400000">
-                    <a:srgbClr val="000000">
-                      <a:alpha val="65000"/>
-                    </a:srgbClr>
-                  </a:innerShdw>
-                </a:effectLst>
-                <a:latin typeface="+mn-lt"/>
-                <a:cs typeface="+mn-cs"/>
-              </a:rPr>
-              <a:t>https://www.tomsguide.com/best-picks/best-photography-sites</a:t>
-            </a:r>
-          </a:p>
-        </p:txBody>
-      </p:sp>
+      </p:pic>
     </p:spTree>
     <p:extLst>
       <p:ext uri="{BB962C8B-B14F-4D97-AF65-F5344CB8AC3E}">
-        <p14:creationId xmlns:p14="http://schemas.microsoft.com/office/powerpoint/2010/main" val="680711987"/>
+        <p14:creationId xmlns:p14="http://schemas.microsoft.com/office/powerpoint/2010/main" val="3108743042"/>
       </p:ext>
     </p:extLst>
   </p:cSld>
@@ -26758,6 +26754,839 @@
 </p:sld>
 </file>
 
+<file path=ppt/slides/slide30.xml><?xml version="1.0" encoding="utf-8"?>
+<p:sld xmlns:a="http://schemas.openxmlformats.org/drawingml/2006/main" xmlns:r="http://schemas.openxmlformats.org/officeDocument/2006/relationships" xmlns:p="http://schemas.openxmlformats.org/presentationml/2006/main">
+  <p:cSld>
+    <p:spTree>
+      <p:nvGrpSpPr>
+        <p:cNvPr id="1" name=""/>
+        <p:cNvGrpSpPr/>
+        <p:nvPr/>
+      </p:nvGrpSpPr>
+      <p:grpSpPr>
+        <a:xfrm>
+          <a:off x="0" y="0"/>
+          <a:ext cx="0" cy="0"/>
+          <a:chOff x="0" y="0"/>
+          <a:chExt cx="0" cy="0"/>
+        </a:xfrm>
+      </p:grpSpPr>
+      <p:sp>
+        <p:nvSpPr>
+          <p:cNvPr id="2" name="Rectangle 1">
+            <a:extLst>
+              <a:ext uri="{FF2B5EF4-FFF2-40B4-BE49-F238E27FC236}">
+                <a16:creationId xmlns:a16="http://schemas.microsoft.com/office/drawing/2014/main" id="{4A56CE68-72E2-4FEE-9033-20DF661190EC}"/>
+              </a:ext>
+            </a:extLst>
+          </p:cNvPr>
+          <p:cNvSpPr/>
+          <p:nvPr/>
+        </p:nvSpPr>
+        <p:spPr>
+          <a:xfrm>
+            <a:off x="1827026" y="1812243"/>
+            <a:ext cx="7873339" cy="3233514"/>
+          </a:xfrm>
+          <a:prstGeom prst="rect">
+            <a:avLst/>
+          </a:prstGeom>
+          <a:noFill/>
+        </p:spPr>
+        <p:txBody>
+          <a:bodyPr>
+            <a:spAutoFit/>
+          </a:bodyPr>
+          <a:lstStyle/>
+          <a:p>
+            <a:pPr algn="ctr" eaLnBrk="1" fontAlgn="auto" hangingPunct="1">
+              <a:lnSpc>
+                <a:spcPct val="150000"/>
+              </a:lnSpc>
+              <a:spcBef>
+                <a:spcPts val="0"/>
+              </a:spcBef>
+              <a:spcAft>
+                <a:spcPts val="0"/>
+              </a:spcAft>
+              <a:defRPr/>
+            </a:pPr>
+            <a:r>
+              <a:rPr lang="en-US" sz="7200" b="1" u="sng" dirty="0">
+                <a:ln w="1905"/>
+                <a:gradFill>
+                  <a:gsLst>
+                    <a:gs pos="0">
+                      <a:schemeClr val="accent6">
+                        <a:shade val="20000"/>
+                        <a:satMod val="200000"/>
+                      </a:schemeClr>
+                    </a:gs>
+                    <a:gs pos="78000">
+                      <a:schemeClr val="accent6">
+                        <a:tint val="90000"/>
+                        <a:shade val="89000"/>
+                        <a:satMod val="220000"/>
+                      </a:schemeClr>
+                    </a:gs>
+                    <a:gs pos="100000">
+                      <a:schemeClr val="accent6">
+                        <a:tint val="12000"/>
+                        <a:satMod val="255000"/>
+                      </a:schemeClr>
+                    </a:gs>
+                  </a:gsLst>
+                  <a:lin ang="5400000"/>
+                </a:gradFill>
+                <a:effectLst>
+                  <a:innerShdw blurRad="69850" dist="43180" dir="5400000">
+                    <a:srgbClr val="000000">
+                      <a:alpha val="65000"/>
+                    </a:srgbClr>
+                  </a:innerShdw>
+                </a:effectLst>
+                <a:latin typeface="Times New Roman" pitchFamily="18" charset="0"/>
+                <a:cs typeface="Times New Roman" pitchFamily="18" charset="0"/>
+              </a:rPr>
+              <a:t>Activity </a:t>
+            </a:r>
+          </a:p>
+          <a:p>
+            <a:pPr algn="ctr" eaLnBrk="1" fontAlgn="auto" hangingPunct="1">
+              <a:lnSpc>
+                <a:spcPct val="150000"/>
+              </a:lnSpc>
+              <a:spcBef>
+                <a:spcPts val="0"/>
+              </a:spcBef>
+              <a:spcAft>
+                <a:spcPts val="0"/>
+              </a:spcAft>
+              <a:defRPr/>
+            </a:pPr>
+            <a:r>
+              <a:rPr lang="en-US" sz="7200" b="1" u="sng" dirty="0">
+                <a:ln w="1905"/>
+                <a:gradFill>
+                  <a:gsLst>
+                    <a:gs pos="0">
+                      <a:schemeClr val="accent6">
+                        <a:shade val="20000"/>
+                        <a:satMod val="200000"/>
+                      </a:schemeClr>
+                    </a:gs>
+                    <a:gs pos="78000">
+                      <a:schemeClr val="accent6">
+                        <a:tint val="90000"/>
+                        <a:shade val="89000"/>
+                        <a:satMod val="220000"/>
+                      </a:schemeClr>
+                    </a:gs>
+                    <a:gs pos="100000">
+                      <a:schemeClr val="accent6">
+                        <a:tint val="12000"/>
+                        <a:satMod val="255000"/>
+                      </a:schemeClr>
+                    </a:gs>
+                  </a:gsLst>
+                  <a:lin ang="5400000"/>
+                </a:gradFill>
+                <a:effectLst>
+                  <a:innerShdw blurRad="69850" dist="43180" dir="5400000">
+                    <a:srgbClr val="000000">
+                      <a:alpha val="65000"/>
+                    </a:srgbClr>
+                  </a:innerShdw>
+                </a:effectLst>
+                <a:latin typeface="Times New Roman" pitchFamily="18" charset="0"/>
+                <a:cs typeface="Times New Roman" pitchFamily="18" charset="0"/>
+              </a:rPr>
+              <a:t>Diagram </a:t>
+            </a:r>
+            <a:endParaRPr lang="en-US" sz="7200" b="1" dirty="0">
+              <a:ln w="1905"/>
+              <a:gradFill>
+                <a:gsLst>
+                  <a:gs pos="0">
+                    <a:schemeClr val="accent6">
+                      <a:shade val="20000"/>
+                      <a:satMod val="200000"/>
+                    </a:schemeClr>
+                  </a:gs>
+                  <a:gs pos="78000">
+                    <a:schemeClr val="accent6">
+                      <a:tint val="90000"/>
+                      <a:shade val="89000"/>
+                      <a:satMod val="220000"/>
+                    </a:schemeClr>
+                  </a:gs>
+                  <a:gs pos="100000">
+                    <a:schemeClr val="accent6">
+                      <a:tint val="12000"/>
+                      <a:satMod val="255000"/>
+                    </a:schemeClr>
+                  </a:gs>
+                </a:gsLst>
+                <a:lin ang="5400000"/>
+              </a:gradFill>
+              <a:effectLst>
+                <a:innerShdw blurRad="69850" dist="43180" dir="5400000">
+                  <a:srgbClr val="000000">
+                    <a:alpha val="65000"/>
+                  </a:srgbClr>
+                </a:innerShdw>
+              </a:effectLst>
+              <a:latin typeface="+mn-lt"/>
+              <a:cs typeface="+mn-cs"/>
+            </a:endParaRPr>
+          </a:p>
+        </p:txBody>
+      </p:sp>
+    </p:spTree>
+    <p:extLst>
+      <p:ext uri="{BB962C8B-B14F-4D97-AF65-F5344CB8AC3E}">
+        <p14:creationId xmlns:p14="http://schemas.microsoft.com/office/powerpoint/2010/main" val="971529950"/>
+      </p:ext>
+    </p:extLst>
+  </p:cSld>
+  <p:clrMapOvr>
+    <a:masterClrMapping/>
+  </p:clrMapOvr>
+</p:sld>
+</file>
+
+<file path=ppt/slides/slide31.xml><?xml version="1.0" encoding="utf-8"?>
+<p:sld xmlns:a="http://schemas.openxmlformats.org/drawingml/2006/main" xmlns:r="http://schemas.openxmlformats.org/officeDocument/2006/relationships" xmlns:p="http://schemas.openxmlformats.org/presentationml/2006/main">
+  <p:cSld>
+    <p:spTree>
+      <p:nvGrpSpPr>
+        <p:cNvPr id="1" name=""/>
+        <p:cNvGrpSpPr/>
+        <p:nvPr/>
+      </p:nvGrpSpPr>
+      <p:grpSpPr>
+        <a:xfrm>
+          <a:off x="0" y="0"/>
+          <a:ext cx="0" cy="0"/>
+          <a:chOff x="0" y="0"/>
+          <a:chExt cx="0" cy="0"/>
+        </a:xfrm>
+      </p:grpSpPr>
+      <p:pic>
+        <p:nvPicPr>
+          <p:cNvPr id="2" name="Picture 1">
+            <a:extLst>
+              <a:ext uri="{FF2B5EF4-FFF2-40B4-BE49-F238E27FC236}">
+                <a16:creationId xmlns:a16="http://schemas.microsoft.com/office/drawing/2014/main" id="{AF37BBBB-5EFC-468B-A8F1-446015806762}"/>
+              </a:ext>
+            </a:extLst>
+          </p:cNvPr>
+          <p:cNvPicPr>
+            <a:picLocks noChangeAspect="1"/>
+          </p:cNvPicPr>
+          <p:nvPr/>
+        </p:nvPicPr>
+        <p:blipFill>
+          <a:blip r:embed="rId2"/>
+          <a:stretch>
+            <a:fillRect/>
+          </a:stretch>
+        </p:blipFill>
+        <p:spPr>
+          <a:xfrm>
+            <a:off x="0" y="0"/>
+            <a:ext cx="12192000" cy="6857999"/>
+          </a:xfrm>
+          <a:prstGeom prst="rect">
+            <a:avLst/>
+          </a:prstGeom>
+        </p:spPr>
+      </p:pic>
+      <p:sp>
+        <p:nvSpPr>
+          <p:cNvPr id="3" name="Rectangle 2">
+            <a:extLst>
+              <a:ext uri="{FF2B5EF4-FFF2-40B4-BE49-F238E27FC236}">
+                <a16:creationId xmlns:a16="http://schemas.microsoft.com/office/drawing/2014/main" id="{5A6D5632-F059-4CBD-AEDE-AE7AEA90E7CA}"/>
+              </a:ext>
+            </a:extLst>
+          </p:cNvPr>
+          <p:cNvSpPr/>
+          <p:nvPr/>
+        </p:nvSpPr>
+        <p:spPr>
+          <a:xfrm>
+            <a:off x="552407" y="484909"/>
+            <a:ext cx="2315483" cy="769441"/>
+          </a:xfrm>
+          <a:prstGeom prst="rect">
+            <a:avLst/>
+          </a:prstGeom>
+          <a:noFill/>
+        </p:spPr>
+        <p:txBody>
+          <a:bodyPr wrap="square">
+            <a:spAutoFit/>
+          </a:bodyPr>
+          <a:lstStyle/>
+          <a:p>
+            <a:pPr algn="ctr" eaLnBrk="1" fontAlgn="auto" hangingPunct="1">
+              <a:spcBef>
+                <a:spcPts val="0"/>
+              </a:spcBef>
+              <a:spcAft>
+                <a:spcPts val="0"/>
+              </a:spcAft>
+              <a:defRPr/>
+            </a:pPr>
+            <a:r>
+              <a:rPr lang="en-US" sz="4400" b="1" dirty="0">
+                <a:ln w="1905"/>
+                <a:gradFill>
+                  <a:gsLst>
+                    <a:gs pos="0">
+                      <a:schemeClr val="accent6">
+                        <a:shade val="20000"/>
+                        <a:satMod val="200000"/>
+                      </a:schemeClr>
+                    </a:gs>
+                    <a:gs pos="78000">
+                      <a:schemeClr val="accent6">
+                        <a:tint val="90000"/>
+                        <a:shade val="89000"/>
+                        <a:satMod val="220000"/>
+                      </a:schemeClr>
+                    </a:gs>
+                    <a:gs pos="100000">
+                      <a:schemeClr val="accent6">
+                        <a:tint val="12000"/>
+                        <a:satMod val="255000"/>
+                      </a:schemeClr>
+                    </a:gs>
+                  </a:gsLst>
+                  <a:lin ang="5400000"/>
+                </a:gradFill>
+                <a:effectLst>
+                  <a:innerShdw blurRad="69850" dist="43180" dir="5400000">
+                    <a:srgbClr val="000000">
+                      <a:alpha val="65000"/>
+                    </a:srgbClr>
+                  </a:innerShdw>
+                </a:effectLst>
+                <a:latin typeface="Times New Roman" pitchFamily="18" charset="0"/>
+                <a:cs typeface="Times New Roman" pitchFamily="18" charset="0"/>
+              </a:rPr>
+              <a:t>User</a:t>
+            </a:r>
+          </a:p>
+        </p:txBody>
+      </p:sp>
+    </p:spTree>
+    <p:extLst>
+      <p:ext uri="{BB962C8B-B14F-4D97-AF65-F5344CB8AC3E}">
+        <p14:creationId xmlns:p14="http://schemas.microsoft.com/office/powerpoint/2010/main" val="2929399991"/>
+      </p:ext>
+    </p:extLst>
+  </p:cSld>
+  <p:clrMapOvr>
+    <a:masterClrMapping/>
+  </p:clrMapOvr>
+</p:sld>
+</file>
+
+<file path=ppt/slides/slide32.xml><?xml version="1.0" encoding="utf-8"?>
+<p:sld xmlns:a="http://schemas.openxmlformats.org/drawingml/2006/main" xmlns:r="http://schemas.openxmlformats.org/officeDocument/2006/relationships" xmlns:p="http://schemas.openxmlformats.org/presentationml/2006/main">
+  <p:cSld>
+    <p:spTree>
+      <p:nvGrpSpPr>
+        <p:cNvPr id="1" name=""/>
+        <p:cNvGrpSpPr/>
+        <p:nvPr/>
+      </p:nvGrpSpPr>
+      <p:grpSpPr>
+        <a:xfrm>
+          <a:off x="0" y="0"/>
+          <a:ext cx="0" cy="0"/>
+          <a:chOff x="0" y="0"/>
+          <a:chExt cx="0" cy="0"/>
+        </a:xfrm>
+      </p:grpSpPr>
+      <p:pic>
+        <p:nvPicPr>
+          <p:cNvPr id="2" name="Picture 1">
+            <a:extLst>
+              <a:ext uri="{FF2B5EF4-FFF2-40B4-BE49-F238E27FC236}">
+                <a16:creationId xmlns:a16="http://schemas.microsoft.com/office/drawing/2014/main" id="{B608CD13-73F0-4B9C-999B-186340D59779}"/>
+              </a:ext>
+            </a:extLst>
+          </p:cNvPr>
+          <p:cNvPicPr>
+            <a:picLocks noChangeAspect="1"/>
+          </p:cNvPicPr>
+          <p:nvPr/>
+        </p:nvPicPr>
+        <p:blipFill>
+          <a:blip r:embed="rId2"/>
+          <a:stretch>
+            <a:fillRect/>
+          </a:stretch>
+        </p:blipFill>
+        <p:spPr>
+          <a:xfrm>
+            <a:off x="0" y="193639"/>
+            <a:ext cx="12192000" cy="6470722"/>
+          </a:xfrm>
+          <a:prstGeom prst="rect">
+            <a:avLst/>
+          </a:prstGeom>
+        </p:spPr>
+      </p:pic>
+      <p:sp>
+        <p:nvSpPr>
+          <p:cNvPr id="3" name="Rectangle 2">
+            <a:extLst>
+              <a:ext uri="{FF2B5EF4-FFF2-40B4-BE49-F238E27FC236}">
+                <a16:creationId xmlns:a16="http://schemas.microsoft.com/office/drawing/2014/main" id="{6DBE813D-B0B6-4DD6-990D-A29073ECBE7E}"/>
+              </a:ext>
+            </a:extLst>
+          </p:cNvPr>
+          <p:cNvSpPr/>
+          <p:nvPr/>
+        </p:nvSpPr>
+        <p:spPr>
+          <a:xfrm>
+            <a:off x="344589" y="512619"/>
+            <a:ext cx="2952792" cy="769441"/>
+          </a:xfrm>
+          <a:prstGeom prst="rect">
+            <a:avLst/>
+          </a:prstGeom>
+          <a:noFill/>
+        </p:spPr>
+        <p:txBody>
+          <a:bodyPr wrap="square">
+            <a:spAutoFit/>
+          </a:bodyPr>
+          <a:lstStyle/>
+          <a:p>
+            <a:pPr algn="ctr" eaLnBrk="1" fontAlgn="auto" hangingPunct="1">
+              <a:spcBef>
+                <a:spcPts val="0"/>
+              </a:spcBef>
+              <a:spcAft>
+                <a:spcPts val="0"/>
+              </a:spcAft>
+              <a:defRPr/>
+            </a:pPr>
+            <a:r>
+              <a:rPr lang="en-US" sz="4400" b="1" dirty="0">
+                <a:ln w="1905"/>
+                <a:gradFill>
+                  <a:gsLst>
+                    <a:gs pos="0">
+                      <a:schemeClr val="accent6">
+                        <a:shade val="20000"/>
+                        <a:satMod val="200000"/>
+                      </a:schemeClr>
+                    </a:gs>
+                    <a:gs pos="78000">
+                      <a:schemeClr val="accent6">
+                        <a:tint val="90000"/>
+                        <a:shade val="89000"/>
+                        <a:satMod val="220000"/>
+                      </a:schemeClr>
+                    </a:gs>
+                    <a:gs pos="100000">
+                      <a:schemeClr val="accent6">
+                        <a:tint val="12000"/>
+                        <a:satMod val="255000"/>
+                      </a:schemeClr>
+                    </a:gs>
+                  </a:gsLst>
+                  <a:lin ang="5400000"/>
+                </a:gradFill>
+                <a:effectLst>
+                  <a:innerShdw blurRad="69850" dist="43180" dir="5400000">
+                    <a:srgbClr val="000000">
+                      <a:alpha val="65000"/>
+                    </a:srgbClr>
+                  </a:innerShdw>
+                </a:effectLst>
+                <a:latin typeface="Times New Roman" pitchFamily="18" charset="0"/>
+                <a:cs typeface="Times New Roman" pitchFamily="18" charset="0"/>
+              </a:rPr>
+              <a:t>Admin</a:t>
+            </a:r>
+          </a:p>
+        </p:txBody>
+      </p:sp>
+    </p:spTree>
+    <p:extLst>
+      <p:ext uri="{BB962C8B-B14F-4D97-AF65-F5344CB8AC3E}">
+        <p14:creationId xmlns:p14="http://schemas.microsoft.com/office/powerpoint/2010/main" val="3140282922"/>
+      </p:ext>
+    </p:extLst>
+  </p:cSld>
+  <p:clrMapOvr>
+    <a:masterClrMapping/>
+  </p:clrMapOvr>
+</p:sld>
+</file>
+
+<file path=ppt/slides/slide33.xml><?xml version="1.0" encoding="utf-8"?>
+<p:sld xmlns:a="http://schemas.openxmlformats.org/drawingml/2006/main" xmlns:r="http://schemas.openxmlformats.org/officeDocument/2006/relationships" xmlns:p="http://schemas.openxmlformats.org/presentationml/2006/main">
+  <p:cSld>
+    <p:spTree>
+      <p:nvGrpSpPr>
+        <p:cNvPr id="1" name=""/>
+        <p:cNvGrpSpPr/>
+        <p:nvPr/>
+      </p:nvGrpSpPr>
+      <p:grpSpPr>
+        <a:xfrm>
+          <a:off x="0" y="0"/>
+          <a:ext cx="0" cy="0"/>
+          <a:chOff x="0" y="0"/>
+          <a:chExt cx="0" cy="0"/>
+        </a:xfrm>
+      </p:grpSpPr>
+    </p:spTree>
+    <p:extLst>
+      <p:ext uri="{BB962C8B-B14F-4D97-AF65-F5344CB8AC3E}">
+        <p14:creationId xmlns:p14="http://schemas.microsoft.com/office/powerpoint/2010/main" val="1344067709"/>
+      </p:ext>
+    </p:extLst>
+  </p:cSld>
+  <p:clrMapOvr>
+    <a:masterClrMapping/>
+  </p:clrMapOvr>
+</p:sld>
+</file>
+
+<file path=ppt/slides/slide34.xml><?xml version="1.0" encoding="utf-8"?>
+<p:sld xmlns:a="http://schemas.openxmlformats.org/drawingml/2006/main" xmlns:r="http://schemas.openxmlformats.org/officeDocument/2006/relationships" xmlns:p="http://schemas.openxmlformats.org/presentationml/2006/main">
+  <p:cSld>
+    <p:spTree>
+      <p:nvGrpSpPr>
+        <p:cNvPr id="1" name=""/>
+        <p:cNvGrpSpPr/>
+        <p:nvPr/>
+      </p:nvGrpSpPr>
+      <p:grpSpPr>
+        <a:xfrm>
+          <a:off x="0" y="0"/>
+          <a:ext cx="0" cy="0"/>
+          <a:chOff x="0" y="0"/>
+          <a:chExt cx="0" cy="0"/>
+        </a:xfrm>
+      </p:grpSpPr>
+      <p:sp>
+        <p:nvSpPr>
+          <p:cNvPr id="2" name="Rectangle 1">
+            <a:extLst>
+              <a:ext uri="{FF2B5EF4-FFF2-40B4-BE49-F238E27FC236}">
+                <a16:creationId xmlns:a16="http://schemas.microsoft.com/office/drawing/2014/main" id="{130BE0EF-121D-4EC7-A5B9-C07E52D615C3}"/>
+              </a:ext>
+            </a:extLst>
+          </p:cNvPr>
+          <p:cNvSpPr/>
+          <p:nvPr/>
+        </p:nvSpPr>
+        <p:spPr>
+          <a:xfrm>
+            <a:off x="1868591" y="38859"/>
+            <a:ext cx="7873339" cy="996298"/>
+          </a:xfrm>
+          <a:prstGeom prst="rect">
+            <a:avLst/>
+          </a:prstGeom>
+          <a:noFill/>
+        </p:spPr>
+        <p:txBody>
+          <a:bodyPr>
+            <a:spAutoFit/>
+          </a:bodyPr>
+          <a:lstStyle/>
+          <a:p>
+            <a:pPr algn="ctr" eaLnBrk="1" fontAlgn="auto" hangingPunct="1">
+              <a:lnSpc>
+                <a:spcPct val="150000"/>
+              </a:lnSpc>
+              <a:spcBef>
+                <a:spcPts val="0"/>
+              </a:spcBef>
+              <a:spcAft>
+                <a:spcPts val="0"/>
+              </a:spcAft>
+              <a:defRPr/>
+            </a:pPr>
+            <a:r>
+              <a:rPr lang="en-US" sz="4400" b="1" u="sng" dirty="0">
+                <a:ln w="1905"/>
+                <a:gradFill>
+                  <a:gsLst>
+                    <a:gs pos="0">
+                      <a:schemeClr val="accent6">
+                        <a:shade val="20000"/>
+                        <a:satMod val="200000"/>
+                      </a:schemeClr>
+                    </a:gs>
+                    <a:gs pos="78000">
+                      <a:schemeClr val="accent6">
+                        <a:tint val="90000"/>
+                        <a:shade val="89000"/>
+                        <a:satMod val="220000"/>
+                      </a:schemeClr>
+                    </a:gs>
+                    <a:gs pos="100000">
+                      <a:schemeClr val="accent6">
+                        <a:tint val="12000"/>
+                        <a:satMod val="255000"/>
+                      </a:schemeClr>
+                    </a:gs>
+                  </a:gsLst>
+                  <a:lin ang="5400000"/>
+                </a:gradFill>
+                <a:effectLst>
+                  <a:innerShdw blurRad="69850" dist="43180" dir="5400000">
+                    <a:srgbClr val="000000">
+                      <a:alpha val="65000"/>
+                    </a:srgbClr>
+                  </a:innerShdw>
+                </a:effectLst>
+                <a:latin typeface="Times New Roman" pitchFamily="18" charset="0"/>
+                <a:cs typeface="Times New Roman" pitchFamily="18" charset="0"/>
+              </a:rPr>
+              <a:t>Reference</a:t>
+            </a:r>
+            <a:endParaRPr lang="en-US" sz="4400" b="1" dirty="0">
+              <a:ln w="1905"/>
+              <a:gradFill>
+                <a:gsLst>
+                  <a:gs pos="0">
+                    <a:schemeClr val="accent6">
+                      <a:shade val="20000"/>
+                      <a:satMod val="200000"/>
+                    </a:schemeClr>
+                  </a:gs>
+                  <a:gs pos="78000">
+                    <a:schemeClr val="accent6">
+                      <a:tint val="90000"/>
+                      <a:shade val="89000"/>
+                      <a:satMod val="220000"/>
+                    </a:schemeClr>
+                  </a:gs>
+                  <a:gs pos="100000">
+                    <a:schemeClr val="accent6">
+                      <a:tint val="12000"/>
+                      <a:satMod val="255000"/>
+                    </a:schemeClr>
+                  </a:gs>
+                </a:gsLst>
+                <a:lin ang="5400000"/>
+              </a:gradFill>
+              <a:effectLst>
+                <a:innerShdw blurRad="69850" dist="43180" dir="5400000">
+                  <a:srgbClr val="000000">
+                    <a:alpha val="65000"/>
+                  </a:srgbClr>
+                </a:innerShdw>
+              </a:effectLst>
+              <a:latin typeface="+mn-lt"/>
+              <a:cs typeface="+mn-cs"/>
+            </a:endParaRPr>
+          </a:p>
+        </p:txBody>
+      </p:sp>
+      <p:sp>
+        <p:nvSpPr>
+          <p:cNvPr id="3" name="Rectangle 2">
+            <a:extLst>
+              <a:ext uri="{FF2B5EF4-FFF2-40B4-BE49-F238E27FC236}">
+                <a16:creationId xmlns:a16="http://schemas.microsoft.com/office/drawing/2014/main" id="{CF552790-CED4-4C29-A432-8366F89182B2}"/>
+              </a:ext>
+            </a:extLst>
+          </p:cNvPr>
+          <p:cNvSpPr/>
+          <p:nvPr/>
+        </p:nvSpPr>
+        <p:spPr>
+          <a:xfrm>
+            <a:off x="1868591" y="1072787"/>
+            <a:ext cx="7873339" cy="966098"/>
+          </a:xfrm>
+          <a:prstGeom prst="rect">
+            <a:avLst/>
+          </a:prstGeom>
+          <a:noFill/>
+        </p:spPr>
+        <p:txBody>
+          <a:bodyPr>
+            <a:spAutoFit/>
+          </a:bodyPr>
+          <a:lstStyle/>
+          <a:p>
+            <a:pPr marL="342900" indent="-342900" eaLnBrk="1" fontAlgn="auto" hangingPunct="1">
+              <a:lnSpc>
+                <a:spcPct val="150000"/>
+              </a:lnSpc>
+              <a:spcBef>
+                <a:spcPts val="0"/>
+              </a:spcBef>
+              <a:spcAft>
+                <a:spcPts val="0"/>
+              </a:spcAft>
+              <a:buFont typeface="Arial" panose="020B0604020202020204" pitchFamily="34" charset="0"/>
+              <a:buChar char="•"/>
+              <a:defRPr/>
+            </a:pPr>
+            <a:r>
+              <a:rPr lang="en-US" sz="2000" b="1" dirty="0">
+                <a:ln w="1905"/>
+                <a:gradFill>
+                  <a:gsLst>
+                    <a:gs pos="0">
+                      <a:schemeClr val="accent6">
+                        <a:shade val="20000"/>
+                        <a:satMod val="200000"/>
+                      </a:schemeClr>
+                    </a:gs>
+                    <a:gs pos="78000">
+                      <a:schemeClr val="accent6">
+                        <a:tint val="90000"/>
+                        <a:shade val="89000"/>
+                        <a:satMod val="220000"/>
+                      </a:schemeClr>
+                    </a:gs>
+                    <a:gs pos="100000">
+                      <a:schemeClr val="accent6">
+                        <a:tint val="12000"/>
+                        <a:satMod val="255000"/>
+                      </a:schemeClr>
+                    </a:gs>
+                  </a:gsLst>
+                  <a:lin ang="5400000"/>
+                </a:gradFill>
+                <a:effectLst>
+                  <a:innerShdw blurRad="69850" dist="43180" dir="5400000">
+                    <a:srgbClr val="000000">
+                      <a:alpha val="65000"/>
+                    </a:srgbClr>
+                  </a:innerShdw>
+                </a:effectLst>
+                <a:latin typeface="+mn-lt"/>
+                <a:cs typeface="+mn-cs"/>
+                <a:hlinkClick r:id="rId2"/>
+              </a:rPr>
+              <a:t>https://www.dropbox.com/features/cloud-storage/photos</a:t>
+            </a:r>
+            <a:endParaRPr lang="en-US" sz="2000" b="1" dirty="0">
+              <a:ln w="1905"/>
+              <a:gradFill>
+                <a:gsLst>
+                  <a:gs pos="0">
+                    <a:schemeClr val="accent6">
+                      <a:shade val="20000"/>
+                      <a:satMod val="200000"/>
+                    </a:schemeClr>
+                  </a:gs>
+                  <a:gs pos="78000">
+                    <a:schemeClr val="accent6">
+                      <a:tint val="90000"/>
+                      <a:shade val="89000"/>
+                      <a:satMod val="220000"/>
+                    </a:schemeClr>
+                  </a:gs>
+                  <a:gs pos="100000">
+                    <a:schemeClr val="accent6">
+                      <a:tint val="12000"/>
+                      <a:satMod val="255000"/>
+                    </a:schemeClr>
+                  </a:gs>
+                </a:gsLst>
+                <a:lin ang="5400000"/>
+              </a:gradFill>
+              <a:effectLst>
+                <a:innerShdw blurRad="69850" dist="43180" dir="5400000">
+                  <a:srgbClr val="000000">
+                    <a:alpha val="65000"/>
+                  </a:srgbClr>
+                </a:innerShdw>
+              </a:effectLst>
+              <a:latin typeface="+mn-lt"/>
+              <a:cs typeface="+mn-cs"/>
+            </a:endParaRPr>
+          </a:p>
+          <a:p>
+            <a:pPr marL="342900" indent="-342900" eaLnBrk="1" fontAlgn="auto" hangingPunct="1">
+              <a:lnSpc>
+                <a:spcPct val="150000"/>
+              </a:lnSpc>
+              <a:spcBef>
+                <a:spcPts val="0"/>
+              </a:spcBef>
+              <a:spcAft>
+                <a:spcPts val="0"/>
+              </a:spcAft>
+              <a:buFont typeface="Arial" panose="020B0604020202020204" pitchFamily="34" charset="0"/>
+              <a:buChar char="•"/>
+              <a:defRPr/>
+            </a:pPr>
+            <a:r>
+              <a:rPr lang="en-US" sz="2000" b="1" dirty="0">
+                <a:ln w="1905"/>
+                <a:gradFill>
+                  <a:gsLst>
+                    <a:gs pos="0">
+                      <a:schemeClr val="accent6">
+                        <a:shade val="20000"/>
+                        <a:satMod val="200000"/>
+                      </a:schemeClr>
+                    </a:gs>
+                    <a:gs pos="78000">
+                      <a:schemeClr val="accent6">
+                        <a:tint val="90000"/>
+                        <a:shade val="89000"/>
+                        <a:satMod val="220000"/>
+                      </a:schemeClr>
+                    </a:gs>
+                    <a:gs pos="100000">
+                      <a:schemeClr val="accent6">
+                        <a:tint val="12000"/>
+                        <a:satMod val="255000"/>
+                      </a:schemeClr>
+                    </a:gs>
+                  </a:gsLst>
+                  <a:lin ang="5400000"/>
+                </a:gradFill>
+                <a:effectLst>
+                  <a:innerShdw blurRad="69850" dist="43180" dir="5400000">
+                    <a:srgbClr val="000000">
+                      <a:alpha val="65000"/>
+                    </a:srgbClr>
+                  </a:innerShdw>
+                </a:effectLst>
+                <a:latin typeface="+mn-lt"/>
+                <a:cs typeface="+mn-cs"/>
+              </a:rPr>
+              <a:t>https://www.tomsguide.com/best-picks/best-photography-sites</a:t>
+            </a:r>
+          </a:p>
+        </p:txBody>
+      </p:sp>
+    </p:spTree>
+    <p:extLst>
+      <p:ext uri="{BB962C8B-B14F-4D97-AF65-F5344CB8AC3E}">
+        <p14:creationId xmlns:p14="http://schemas.microsoft.com/office/powerpoint/2010/main" val="680711987"/>
+      </p:ext>
+    </p:extLst>
+  </p:cSld>
+  <p:clrMapOvr>
+    <a:masterClrMapping/>
+  </p:clrMapOvr>
+</p:sld>
+</file>
+
 <file path=ppt/slides/slide4.xml><?xml version="1.0" encoding="utf-8"?>
 <p:sld xmlns:a="http://schemas.openxmlformats.org/drawingml/2006/main" xmlns:r="http://schemas.openxmlformats.org/officeDocument/2006/relationships" xmlns:p="http://schemas.openxmlformats.org/presentationml/2006/main">
   <p:cSld>
@@ -28754,7 +29583,7 @@
         <p:spPr>
           <a:xfrm>
             <a:off x="2294727" y="-113646"/>
-            <a:ext cx="7360355" cy="1323439"/>
+            <a:ext cx="7597418" cy="769441"/>
           </a:xfrm>
           <a:prstGeom prst="rect">
             <a:avLst/>
@@ -28762,7 +29591,7 @@
           <a:noFill/>
         </p:spPr>
         <p:txBody>
-          <a:bodyPr>
+          <a:bodyPr wrap="square">
             <a:spAutoFit/>
           </a:bodyPr>
           <a:lstStyle/>
@@ -28777,24 +29606,38 @@
               <a:defRPr/>
             </a:pPr>
             <a:r>
-              <a:rPr lang="en-US" sz="8000" u="sng">
-                <a:ln w="19050">
-                  <a:solidFill>
-                    <a:schemeClr val="tx2">
-                      <a:tint val="1000"/>
-                    </a:schemeClr>
-                  </a:solidFill>
-                  <a:prstDash val="solid"/>
-                </a:ln>
-                <a:solidFill>
-                  <a:srgbClr val="FF0000"/>
-                </a:solidFill>
+              <a:rPr lang="en-US" sz="4400" b="1" dirty="0">
+                <a:ln w="1905"/>
+                <a:gradFill>
+                  <a:gsLst>
+                    <a:gs pos="0">
+                      <a:schemeClr val="accent6">
+                        <a:shade val="20000"/>
+                        <a:satMod val="200000"/>
+                      </a:schemeClr>
+                    </a:gs>
+                    <a:gs pos="78000">
+                      <a:schemeClr val="accent6">
+                        <a:tint val="90000"/>
+                        <a:shade val="89000"/>
+                        <a:satMod val="220000"/>
+                      </a:schemeClr>
+                    </a:gs>
+                    <a:gs pos="100000">
+                      <a:schemeClr val="accent6">
+                        <a:tint val="12000"/>
+                        <a:satMod val="255000"/>
+                      </a:schemeClr>
+                    </a:gs>
+                  </a:gsLst>
+                  <a:lin ang="5400000"/>
+                </a:gradFill>
                 <a:effectLst>
-                  <a:outerShdw blurRad="38100" dist="38100" dir="2700000" algn="tl">
+                  <a:innerShdw blurRad="69850" dist="43180" dir="5400000">
                     <a:srgbClr val="000000">
-                      <a:alpha val="43137"/>
+                      <a:alpha val="65000"/>
                     </a:srgbClr>
-                  </a:outerShdw>
+                  </a:innerShdw>
                 </a:effectLst>
                 <a:latin typeface="Times New Roman" pitchFamily="18" charset="0"/>
                 <a:cs typeface="Times New Roman" pitchFamily="18" charset="0"/>
@@ -28819,14 +29662,14 @@
           <p:nvPr>
             <p:extLst>
               <p:ext uri="{D42A27DB-BD31-4B8C-83A1-F6EECF244321}">
-                <p14:modId xmlns:p14="http://schemas.microsoft.com/office/powerpoint/2010/main" val="2246198668"/>
+                <p14:modId xmlns:p14="http://schemas.microsoft.com/office/powerpoint/2010/main" val="158767182"/>
               </p:ext>
             </p:extLst>
           </p:nvPr>
         </p:nvGraphicFramePr>
         <p:xfrm>
           <a:off x="1939925" y="1605684"/>
-          <a:ext cx="8312149" cy="2478086"/>
+          <a:ext cx="8312149" cy="2654270"/>
         </p:xfrm>
         <a:graphic>
           <a:graphicData uri="http://schemas.openxmlformats.org/drawingml/2006/table">
@@ -29000,7 +29843,7 @@
                         <a:tabLst/>
                       </a:pPr>
                       <a:r>
-                        <a:rPr kumimoji="0" lang="en-US" sz="1400" b="1" i="0" u="sng" strike="noStrike" cap="none" normalizeH="0" baseline="0">
+                        <a:rPr kumimoji="0" lang="en-US" sz="1400" b="1" i="0" u="sng" strike="noStrike" cap="none" normalizeH="0" baseline="0" dirty="0">
                           <a:ln>
                             <a:noFill/>
                           </a:ln>
@@ -29011,9 +29854,27 @@
                           <a:latin typeface="Times New Roman" pitchFamily="18" charset="0"/>
                           <a:ea typeface="SimSun" pitchFamily="2" charset="-122"/>
                         </a:rPr>
-                        <a:t>1</a:t>
-                      </a:r>
-                      <a:endParaRPr kumimoji="0" lang="en-US" sz="1100" b="0" i="0" u="none" strike="noStrike" cap="none" normalizeH="0" baseline="0">
+                        <a:t>Dec 2020 to</a:t>
+                      </a:r>
+                    </a:p>
+                    <a:p>
+                      <a:pPr marL="0" marR="0" lvl="0" indent="0" algn="ctr" defTabSz="914400" rtl="0" eaLnBrk="1" fontAlgn="base" latinLnBrk="0" hangingPunct="1">
+                        <a:lnSpc>
+                          <a:spcPct val="115000"/>
+                        </a:lnSpc>
+                        <a:spcBef>
+                          <a:spcPct val="0"/>
+                        </a:spcBef>
+                        <a:spcAft>
+                          <a:spcPct val="0"/>
+                        </a:spcAft>
+                        <a:buClrTx/>
+                        <a:buSzTx/>
+                        <a:buFontTx/>
+                        <a:buNone/>
+                        <a:tabLst/>
+                      </a:pPr>
+                      <a:endParaRPr kumimoji="0" lang="en-US" sz="1100" b="0" i="0" u="none" strike="noStrike" cap="none" normalizeH="0" baseline="0" dirty="0">
                         <a:ln>
                           <a:noFill/>
                         </a:ln>
@@ -29094,7 +29955,7 @@
                         <a:tabLst/>
                       </a:pPr>
                       <a:r>
-                        <a:rPr kumimoji="0" lang="en-US" sz="1400" b="1" i="0" u="sng" strike="noStrike" cap="none" normalizeH="0" baseline="0">
+                        <a:rPr kumimoji="0" lang="en-US" sz="1400" b="1" i="0" u="sng" strike="noStrike" cap="none" normalizeH="0" baseline="0" dirty="0">
                           <a:ln>
                             <a:noFill/>
                           </a:ln>
@@ -29107,7 +29968,7 @@
                         </a:rPr>
                         <a:t>5</a:t>
                       </a:r>
-                      <a:endParaRPr kumimoji="0" lang="en-US" sz="1100" b="0" i="0" u="none" strike="noStrike" cap="none" normalizeH="0" baseline="0">
+                      <a:endParaRPr kumimoji="0" lang="en-US" sz="1100" b="0" i="0" u="none" strike="noStrike" cap="none" normalizeH="0" baseline="0" dirty="0">
                         <a:ln>
                           <a:noFill/>
                         </a:ln>
@@ -29881,7 +30742,7 @@
                         <a:buNone/>
                         <a:tabLst/>
                       </a:pPr>
-                      <a:endParaRPr kumimoji="0" lang="en-US" sz="1000" b="0" i="0" u="none" strike="noStrike" cap="none" normalizeH="0" baseline="0">
+                      <a:endParaRPr kumimoji="0" lang="en-US" sz="1000" b="0" i="0" u="none" strike="noStrike" cap="none" normalizeH="0" baseline="0" dirty="0">
                         <a:ln>
                           <a:noFill/>
                         </a:ln>
@@ -30371,7 +31232,7 @@
                         <a:tabLst/>
                       </a:pPr>
                       <a:r>
-                        <a:rPr kumimoji="0" lang="en-US" sz="1600" b="1" i="0" u="none" strike="noStrike" cap="none" normalizeH="0" baseline="0">
+                        <a:rPr kumimoji="0" lang="en-US" sz="1600" b="1" i="0" u="none" strike="noStrike" cap="none" normalizeH="0" baseline="0" dirty="0">
                           <a:ln>
                             <a:noFill/>
                           </a:ln>
@@ -30384,7 +31245,7 @@
                         </a:rPr>
                         <a:t>System Analysis</a:t>
                       </a:r>
-                      <a:endParaRPr kumimoji="0" lang="en-US" sz="1200" b="0" i="0" u="none" strike="noStrike" cap="none" normalizeH="0" baseline="0">
+                      <a:endParaRPr kumimoji="0" lang="en-US" sz="1200" b="0" i="0" u="none" strike="noStrike" cap="none" normalizeH="0" baseline="0" dirty="0">
                         <a:ln>
                           <a:noFill/>
                         </a:ln>
@@ -30544,7 +31405,7 @@
                         <a:buNone/>
                         <a:tabLst/>
                       </a:pPr>
-                      <a:endParaRPr kumimoji="0" lang="en-US" sz="1000" b="0" i="0" u="none" strike="noStrike" cap="none" normalizeH="0" baseline="0">
+                      <a:endParaRPr kumimoji="0" lang="en-US" sz="1000" b="0" i="0" u="none" strike="noStrike" cap="none" normalizeH="0" baseline="0" dirty="0">
                         <a:ln>
                           <a:noFill/>
                         </a:ln>
@@ -31935,34 +32796,34 @@
         <a:sysClr val="window" lastClr="FFFFFF"/>
       </a:lt1>
       <a:dk2>
-        <a:srgbClr val="1C647B"/>
+        <a:srgbClr val="355071"/>
       </a:dk2>
       <a:lt2>
-        <a:srgbClr val="98B7D3"/>
+        <a:srgbClr val="AABED7"/>
       </a:lt2>
       <a:accent1>
-        <a:srgbClr val="274FA4"/>
+        <a:srgbClr val="2FA3EE"/>
       </a:accent1>
       <a:accent2>
-        <a:srgbClr val="48A8D0"/>
+        <a:srgbClr val="4BCAAD"/>
       </a:accent2>
       <a:accent3>
-        <a:srgbClr val="53B18F"/>
+        <a:srgbClr val="86C157"/>
       </a:accent3>
       <a:accent4>
-        <a:srgbClr val="D78D38"/>
+        <a:srgbClr val="D99C3F"/>
       </a:accent4>
       <a:accent5>
-        <a:srgbClr val="BA3F51"/>
+        <a:srgbClr val="CE6633"/>
       </a:accent5>
       <a:accent6>
-        <a:srgbClr val="AE52D9"/>
+        <a:srgbClr val="A35DD1"/>
       </a:accent6>
       <a:hlink>
-        <a:srgbClr val="2AA2DA"/>
+        <a:srgbClr val="56BCFE"/>
       </a:hlink>
       <a:folHlink>
-        <a:srgbClr val="76A3B8"/>
+        <a:srgbClr val="97C5E3"/>
       </a:folHlink>
     </a:clrScheme>
     <a:fontScheme name="Droplet">
@@ -32160,16 +33021,16 @@
               <a:schemeClr val="phClr">
                 <a:tint val="84000"/>
                 <a:shade val="100000"/>
-                <a:hueMod val="92000"/>
-                <a:satMod val="180000"/>
-                <a:lumMod val="114000"/>
+                <a:hueMod val="130000"/>
+                <a:satMod val="150000"/>
+                <a:lumMod val="112000"/>
               </a:schemeClr>
             </a:gs>
             <a:gs pos="100000">
               <a:schemeClr val="phClr">
                 <a:shade val="92000"/>
-                <a:satMod val="170000"/>
-                <a:lumMod val="96000"/>
+                <a:satMod val="140000"/>
+                <a:lumMod val="110000"/>
               </a:schemeClr>
             </a:gs>
           </a:gsLst>
@@ -32182,7 +33043,7 @@
   <a:extraClrSchemeLst/>
   <a:extLst>
     <a:ext uri="{05A4C25C-085E-4340-85A3-A5531E510DB2}">
-      <thm15:themeFamily xmlns:thm15="http://schemas.microsoft.com/office/thememl/2012/main" name="Droplet" id="{8984A317-299A-4E50-B45D-BFC9EDE2337A}" vid="{DEB094D4-7FD8-4F86-93D5-B0F1341EF586}"/>
+      <thm15:themeFamily xmlns:thm15="http://schemas.microsoft.com/office/thememl/2012/main" name="Droplet" id="{8984A317-299A-4E50-B45D-BFC9EDE2337A}" vid="{A633B6A3-9E7F-4C10-9C98-2517A3134361}"/>
     </a:ext>
   </a:extLst>
 </a:theme>

--- a/documents/hi5 .pptx
+++ b/documents/hi5 .pptx
@@ -332,7 +332,7 @@
           <a:p>
             <a:fld id="{563CF30B-D3B5-43E7-A704-6F2A718C3E66}" type="datetimeFigureOut">
               <a:rPr lang="en-IN" smtClean="0"/>
-              <a:t>01-03-2021</a:t>
+              <a:t>20-04-2021</a:t>
             </a:fld>
             <a:endParaRPr lang="en-IN"/>
           </a:p>
@@ -644,7 +644,7 @@
           <a:p>
             <a:fld id="{563CF30B-D3B5-43E7-A704-6F2A718C3E66}" type="datetimeFigureOut">
               <a:rPr lang="en-IN" smtClean="0"/>
-              <a:t>01-03-2021</a:t>
+              <a:t>20-04-2021</a:t>
             </a:fld>
             <a:endParaRPr lang="en-IN"/>
           </a:p>
@@ -866,7 +866,7 @@
           <a:p>
             <a:fld id="{563CF30B-D3B5-43E7-A704-6F2A718C3E66}" type="datetimeFigureOut">
               <a:rPr lang="en-IN" smtClean="0"/>
-              <a:t>01-03-2021</a:t>
+              <a:t>20-04-2021</a:t>
             </a:fld>
             <a:endParaRPr lang="en-IN"/>
           </a:p>
@@ -1157,7 +1157,7 @@
           <a:p>
             <a:fld id="{563CF30B-D3B5-43E7-A704-6F2A718C3E66}" type="datetimeFigureOut">
               <a:rPr lang="en-IN" smtClean="0"/>
-              <a:t>01-03-2021</a:t>
+              <a:t>20-04-2021</a:t>
             </a:fld>
             <a:endParaRPr lang="en-IN"/>
           </a:p>
@@ -1611,7 +1611,7 @@
           <a:p>
             <a:fld id="{563CF30B-D3B5-43E7-A704-6F2A718C3E66}" type="datetimeFigureOut">
               <a:rPr lang="en-IN" smtClean="0"/>
-              <a:t>01-03-2021</a:t>
+              <a:t>20-04-2021</a:t>
             </a:fld>
             <a:endParaRPr lang="en-IN"/>
           </a:p>
@@ -2187,7 +2187,7 @@
           <a:p>
             <a:fld id="{563CF30B-D3B5-43E7-A704-6F2A718C3E66}" type="datetimeFigureOut">
               <a:rPr lang="en-IN" smtClean="0"/>
-              <a:t>01-03-2021</a:t>
+              <a:t>20-04-2021</a:t>
             </a:fld>
             <a:endParaRPr lang="en-IN"/>
           </a:p>
@@ -3039,7 +3039,7 @@
           <a:p>
             <a:fld id="{563CF30B-D3B5-43E7-A704-6F2A718C3E66}" type="datetimeFigureOut">
               <a:rPr lang="en-IN" smtClean="0"/>
-              <a:t>01-03-2021</a:t>
+              <a:t>20-04-2021</a:t>
             </a:fld>
             <a:endParaRPr lang="en-IN"/>
           </a:p>
@@ -3244,7 +3244,7 @@
           <a:p>
             <a:fld id="{563CF30B-D3B5-43E7-A704-6F2A718C3E66}" type="datetimeFigureOut">
               <a:rPr lang="en-IN" smtClean="0"/>
-              <a:t>01-03-2021</a:t>
+              <a:t>20-04-2021</a:t>
             </a:fld>
             <a:endParaRPr lang="en-IN"/>
           </a:p>
@@ -3458,7 +3458,7 @@
           <a:p>
             <a:fld id="{563CF30B-D3B5-43E7-A704-6F2A718C3E66}" type="datetimeFigureOut">
               <a:rPr lang="en-IN" smtClean="0"/>
-              <a:t>01-03-2021</a:t>
+              <a:t>20-04-2021</a:t>
             </a:fld>
             <a:endParaRPr lang="en-IN"/>
           </a:p>
@@ -3663,7 +3663,7 @@
           <a:p>
             <a:fld id="{563CF30B-D3B5-43E7-A704-6F2A718C3E66}" type="datetimeFigureOut">
               <a:rPr lang="en-IN" smtClean="0"/>
-              <a:t>01-03-2021</a:t>
+              <a:t>20-04-2021</a:t>
             </a:fld>
             <a:endParaRPr lang="en-IN"/>
           </a:p>
@@ -3943,7 +3943,7 @@
           <a:p>
             <a:fld id="{563CF30B-D3B5-43E7-A704-6F2A718C3E66}" type="datetimeFigureOut">
               <a:rPr lang="en-IN" smtClean="0"/>
-              <a:t>01-03-2021</a:t>
+              <a:t>20-04-2021</a:t>
             </a:fld>
             <a:endParaRPr lang="en-IN"/>
           </a:p>
@@ -4210,7 +4210,7 @@
           <a:p>
             <a:fld id="{563CF30B-D3B5-43E7-A704-6F2A718C3E66}" type="datetimeFigureOut">
               <a:rPr lang="en-IN" smtClean="0"/>
-              <a:t>01-03-2021</a:t>
+              <a:t>20-04-2021</a:t>
             </a:fld>
             <a:endParaRPr lang="en-IN"/>
           </a:p>
@@ -4625,7 +4625,7 @@
           <a:p>
             <a:fld id="{563CF30B-D3B5-43E7-A704-6F2A718C3E66}" type="datetimeFigureOut">
               <a:rPr lang="en-IN" smtClean="0"/>
-              <a:t>01-03-2021</a:t>
+              <a:t>20-04-2021</a:t>
             </a:fld>
             <a:endParaRPr lang="en-IN"/>
           </a:p>
@@ -4773,7 +4773,7 @@
           <a:p>
             <a:fld id="{563CF30B-D3B5-43E7-A704-6F2A718C3E66}" type="datetimeFigureOut">
               <a:rPr lang="en-IN" smtClean="0"/>
-              <a:t>01-03-2021</a:t>
+              <a:t>20-04-2021</a:t>
             </a:fld>
             <a:endParaRPr lang="en-IN"/>
           </a:p>
@@ -4898,7 +4898,7 @@
           <a:p>
             <a:fld id="{563CF30B-D3B5-43E7-A704-6F2A718C3E66}" type="datetimeFigureOut">
               <a:rPr lang="en-IN" smtClean="0"/>
-              <a:t>01-03-2021</a:t>
+              <a:t>20-04-2021</a:t>
             </a:fld>
             <a:endParaRPr lang="en-IN"/>
           </a:p>
@@ -5177,7 +5177,7 @@
           <a:p>
             <a:fld id="{563CF30B-D3B5-43E7-A704-6F2A718C3E66}" type="datetimeFigureOut">
               <a:rPr lang="en-IN" smtClean="0"/>
-              <a:t>01-03-2021</a:t>
+              <a:t>20-04-2021</a:t>
             </a:fld>
             <a:endParaRPr lang="en-IN"/>
           </a:p>
@@ -5489,7 +5489,7 @@
           <a:p>
             <a:fld id="{563CF30B-D3B5-43E7-A704-6F2A718C3E66}" type="datetimeFigureOut">
               <a:rPr lang="en-IN" smtClean="0"/>
-              <a:t>01-03-2021</a:t>
+              <a:t>20-04-2021</a:t>
             </a:fld>
             <a:endParaRPr lang="en-IN"/>
           </a:p>
@@ -5742,7 +5742,7 @@
           <a:p>
             <a:fld id="{563CF30B-D3B5-43E7-A704-6F2A718C3E66}" type="datetimeFigureOut">
               <a:rPr lang="en-IN" smtClean="0"/>
-              <a:t>01-03-2021</a:t>
+              <a:t>20-04-2021</a:t>
             </a:fld>
             <a:endParaRPr lang="en-IN"/>
           </a:p>
@@ -15304,14 +15304,14 @@
           <p:nvPr>
             <p:extLst>
               <p:ext uri="{D42A27DB-BD31-4B8C-83A1-F6EECF244321}">
-                <p14:modId xmlns:p14="http://schemas.microsoft.com/office/powerpoint/2010/main" val="3151337916"/>
+                <p14:modId xmlns:p14="http://schemas.microsoft.com/office/powerpoint/2010/main" val="1907156781"/>
               </p:ext>
             </p:extLst>
           </p:nvPr>
         </p:nvGraphicFramePr>
         <p:xfrm>
           <a:off x="368300" y="1800370"/>
-          <a:ext cx="10798463" cy="3243477"/>
+          <a:ext cx="10798463" cy="4145411"/>
         </p:xfrm>
         <a:graphic>
           <a:graphicData uri="http://schemas.openxmlformats.org/drawingml/2006/table">
@@ -15874,6 +15874,299 @@
                 <a:extLst>
                   <a:ext uri="{0D108BD9-81ED-4DB2-BD59-A6C34878D82A}">
                     <a16:rowId xmlns:a16="http://schemas.microsoft.com/office/drawing/2014/main" val="1280651934"/>
+                  </a:ext>
+                </a:extLst>
+              </a:tr>
+              <a:tr h="450967">
+                <a:tc>
+                  <a:txBody>
+                    <a:bodyPr/>
+                    <a:lstStyle/>
+                    <a:p>
+                      <a:r>
+                        <a:rPr lang="en-US" dirty="0" err="1">
+                          <a:solidFill>
+                            <a:srgbClr val="000000"/>
+                          </a:solidFill>
+                          <a:effectLst/>
+                        </a:rPr>
+                        <a:t>Package_name</a:t>
+                      </a:r>
+                      <a:endParaRPr lang="en-IN" dirty="0">
+                        <a:solidFill>
+                          <a:srgbClr val="000000"/>
+                        </a:solidFill>
+                        <a:effectLst/>
+                      </a:endParaRPr>
+                    </a:p>
+                  </a:txBody>
+                  <a:tcPr anchor="ctr"/>
+                </a:tc>
+                <a:tc>
+                  <a:txBody>
+                    <a:bodyPr/>
+                    <a:lstStyle/>
+                    <a:p>
+                      <a:pPr rtl="0"/>
+                      <a:r>
+                        <a:rPr lang="en-US" dirty="0">
+                          <a:solidFill>
+                            <a:srgbClr val="000000"/>
+                          </a:solidFill>
+                          <a:effectLst/>
+                        </a:rPr>
+                        <a:t>Varchar(50)</a:t>
+                      </a:r>
+                      <a:endParaRPr lang="en-IN" dirty="0">
+                        <a:solidFill>
+                          <a:srgbClr val="000000"/>
+                        </a:solidFill>
+                        <a:effectLst/>
+                      </a:endParaRPr>
+                    </a:p>
+                  </a:txBody>
+                  <a:tcPr anchor="ctr"/>
+                </a:tc>
+                <a:tc>
+                  <a:txBody>
+                    <a:bodyPr/>
+                    <a:lstStyle/>
+                    <a:p>
+                      <a:pPr marL="0" marR="0" lvl="0" indent="0" algn="l" defTabSz="914400" rtl="0" eaLnBrk="1" fontAlgn="auto" latinLnBrk="0" hangingPunct="1">
+                        <a:lnSpc>
+                          <a:spcPct val="100000"/>
+                        </a:lnSpc>
+                        <a:spcBef>
+                          <a:spcPts val="0"/>
+                        </a:spcBef>
+                        <a:spcAft>
+                          <a:spcPts val="0"/>
+                        </a:spcAft>
+                        <a:buClrTx/>
+                        <a:buSzTx/>
+                        <a:buFontTx/>
+                        <a:buNone/>
+                        <a:tabLst/>
+                        <a:defRPr/>
+                      </a:pPr>
+                      <a:r>
+                        <a:rPr lang="en-IN" dirty="0">
+                          <a:solidFill>
+                            <a:srgbClr val="000000"/>
+                          </a:solidFill>
+                          <a:effectLst/>
+                        </a:rPr>
+                        <a:t>Not Null</a:t>
+                      </a:r>
+                    </a:p>
+                  </a:txBody>
+                  <a:tcPr anchor="ctr"/>
+                </a:tc>
+                <a:tc>
+                  <a:txBody>
+                    <a:bodyPr/>
+                    <a:lstStyle/>
+                    <a:p>
+                      <a:pPr marL="0" marR="0" lvl="0" indent="0" algn="l" defTabSz="914400" rtl="0" eaLnBrk="1" fontAlgn="auto" latinLnBrk="0" hangingPunct="1">
+                        <a:lnSpc>
+                          <a:spcPct val="107000"/>
+                        </a:lnSpc>
+                        <a:spcBef>
+                          <a:spcPts val="0"/>
+                        </a:spcBef>
+                        <a:spcAft>
+                          <a:spcPts val="800"/>
+                        </a:spcAft>
+                        <a:buClrTx/>
+                        <a:buSzTx/>
+                        <a:buFontTx/>
+                        <a:buNone/>
+                        <a:tabLst/>
+                        <a:defRPr/>
+                      </a:pPr>
+                      <a:r>
+                        <a:rPr lang="en-IN" sz="1800" dirty="0">
+                          <a:effectLst/>
+                        </a:rPr>
+                        <a:t>This field contains package</a:t>
+                      </a:r>
+                      <a:r>
+                        <a:rPr lang="en-IN" sz="1800" baseline="0" dirty="0">
+                          <a:effectLst/>
+                        </a:rPr>
+                        <a:t> name.</a:t>
+                      </a:r>
+                      <a:endParaRPr lang="en-IN" sz="1800" dirty="0">
+                        <a:effectLst/>
+                        <a:latin typeface="Times New Roman" pitchFamily="18" charset="0"/>
+                        <a:cs typeface="Times New Roman" pitchFamily="18" charset="0"/>
+                      </a:endParaRPr>
+                    </a:p>
+                  </a:txBody>
+                  <a:tcPr marL="72544" marR="72544" marT="0" marB="0"/>
+                </a:tc>
+                <a:extLst>
+                  <a:ext uri="{0D108BD9-81ED-4DB2-BD59-A6C34878D82A}">
+                    <a16:rowId xmlns:a16="http://schemas.microsoft.com/office/drawing/2014/main" val="2713686806"/>
+                  </a:ext>
+                </a:extLst>
+              </a:tr>
+              <a:tr h="450967">
+                <a:tc>
+                  <a:txBody>
+                    <a:bodyPr/>
+                    <a:lstStyle/>
+                    <a:p>
+                      <a:r>
+                        <a:rPr lang="en-US" dirty="0" err="1">
+                          <a:solidFill>
+                            <a:srgbClr val="000000"/>
+                          </a:solidFill>
+                          <a:effectLst/>
+                        </a:rPr>
+                        <a:t>Card_name</a:t>
+                      </a:r>
+                      <a:endParaRPr lang="en-IN" dirty="0">
+                        <a:solidFill>
+                          <a:srgbClr val="000000"/>
+                        </a:solidFill>
+                        <a:effectLst/>
+                      </a:endParaRPr>
+                    </a:p>
+                  </a:txBody>
+                  <a:tcPr anchor="ctr"/>
+                </a:tc>
+                <a:tc>
+                  <a:txBody>
+                    <a:bodyPr/>
+                    <a:lstStyle/>
+                    <a:p>
+                      <a:pPr marL="0" marR="0" lvl="0" indent="0" algn="l" defTabSz="914400" rtl="0" eaLnBrk="1" fontAlgn="auto" latinLnBrk="0" hangingPunct="1">
+                        <a:lnSpc>
+                          <a:spcPct val="100000"/>
+                        </a:lnSpc>
+                        <a:spcBef>
+                          <a:spcPts val="0"/>
+                        </a:spcBef>
+                        <a:spcAft>
+                          <a:spcPts val="0"/>
+                        </a:spcAft>
+                        <a:buClrTx/>
+                        <a:buSzTx/>
+                        <a:buFontTx/>
+                        <a:buNone/>
+                        <a:tabLst/>
+                        <a:defRPr/>
+                      </a:pPr>
+                      <a:r>
+                        <a:rPr lang="en-US" dirty="0">
+                          <a:solidFill>
+                            <a:srgbClr val="000000"/>
+                          </a:solidFill>
+                          <a:effectLst/>
+                        </a:rPr>
+                        <a:t>Varchar(50</a:t>
+                      </a:r>
+                      <a:r>
+                        <a:rPr lang="en-IN" dirty="0">
+                          <a:solidFill>
+                            <a:srgbClr val="000000"/>
+                          </a:solidFill>
+                          <a:effectLst/>
+                        </a:rPr>
+                        <a:t>)</a:t>
+                      </a:r>
+                    </a:p>
+                  </a:txBody>
+                  <a:tcPr anchor="ctr"/>
+                </a:tc>
+                <a:tc>
+                  <a:txBody>
+                    <a:bodyPr/>
+                    <a:lstStyle/>
+                    <a:p>
+                      <a:pPr marL="0" marR="0" lvl="0" indent="0" algn="l" defTabSz="914400" rtl="0" eaLnBrk="1" fontAlgn="auto" latinLnBrk="0" hangingPunct="1">
+                        <a:lnSpc>
+                          <a:spcPct val="100000"/>
+                        </a:lnSpc>
+                        <a:spcBef>
+                          <a:spcPts val="0"/>
+                        </a:spcBef>
+                        <a:spcAft>
+                          <a:spcPts val="0"/>
+                        </a:spcAft>
+                        <a:buClrTx/>
+                        <a:buSzTx/>
+                        <a:buFontTx/>
+                        <a:buNone/>
+                        <a:tabLst/>
+                        <a:defRPr/>
+                      </a:pPr>
+                      <a:r>
+                        <a:rPr lang="en-IN" dirty="0">
+                          <a:solidFill>
+                            <a:srgbClr val="000000"/>
+                          </a:solidFill>
+                          <a:effectLst/>
+                        </a:rPr>
+                        <a:t>Not Null</a:t>
+                      </a:r>
+                    </a:p>
+                  </a:txBody>
+                  <a:tcPr anchor="ctr"/>
+                </a:tc>
+                <a:tc>
+                  <a:txBody>
+                    <a:bodyPr/>
+                    <a:lstStyle/>
+                    <a:p>
+                      <a:pPr marL="0" marR="0" lvl="0" indent="0" algn="l" defTabSz="914400" rtl="0" eaLnBrk="1" fontAlgn="auto" latinLnBrk="0" hangingPunct="1">
+                        <a:lnSpc>
+                          <a:spcPct val="107000"/>
+                        </a:lnSpc>
+                        <a:spcBef>
+                          <a:spcPts val="0"/>
+                        </a:spcBef>
+                        <a:spcAft>
+                          <a:spcPts val="800"/>
+                        </a:spcAft>
+                        <a:buClrTx/>
+                        <a:buSzTx/>
+                        <a:buFontTx/>
+                        <a:buNone/>
+                        <a:tabLst/>
+                        <a:defRPr/>
+                      </a:pPr>
+                      <a:r>
+                        <a:rPr lang="en-IN" sz="1800" dirty="0">
+                          <a:effectLst/>
+                        </a:rPr>
+                        <a:t>This field contains </a:t>
+                      </a:r>
+                      <a:r>
+                        <a:rPr lang="en-IN" sz="1800">
+                          <a:effectLst/>
+                        </a:rPr>
+                        <a:t>card name</a:t>
+                      </a:r>
+                      <a:r>
+                        <a:rPr lang="en-IN" sz="1800" baseline="0">
+                          <a:effectLst/>
+                        </a:rPr>
+                        <a:t>.</a:t>
+                      </a:r>
+                      <a:endParaRPr lang="en-IN" sz="1800" dirty="0">
+                        <a:effectLst/>
+                        <a:latin typeface="Times New Roman" pitchFamily="18" charset="0"/>
+                        <a:cs typeface="Times New Roman" pitchFamily="18" charset="0"/>
+                      </a:endParaRPr>
+                    </a:p>
+                  </a:txBody>
+                  <a:tcPr marL="72544" marR="72544" marT="0" marB="0"/>
+                </a:tc>
+                <a:extLst>
+                  <a:ext uri="{0D108BD9-81ED-4DB2-BD59-A6C34878D82A}">
+                    <a16:rowId xmlns:a16="http://schemas.microsoft.com/office/drawing/2014/main" val="4154724779"/>
                   </a:ext>
                 </a:extLst>
               </a:tr>
